--- a/6th Sem/Caption Generator - Second Presentation.pptx
+++ b/6th Sem/Caption Generator - Second Presentation.pptx
@@ -16,12 +16,19 @@
     <p:sldId id="258" r:id="rId10"/>
     <p:sldId id="265" r:id="rId11"/>
     <p:sldId id="259" r:id="rId12"/>
-    <p:sldId id="271" r:id="rId13"/>
-    <p:sldId id="276" r:id="rId14"/>
-    <p:sldId id="277" r:id="rId15"/>
-    <p:sldId id="260" r:id="rId16"/>
-    <p:sldId id="275" r:id="rId17"/>
-    <p:sldId id="262" r:id="rId18"/>
+    <p:sldId id="278" r:id="rId13"/>
+    <p:sldId id="279" r:id="rId14"/>
+    <p:sldId id="280" r:id="rId15"/>
+    <p:sldId id="271" r:id="rId16"/>
+    <p:sldId id="276" r:id="rId17"/>
+    <p:sldId id="277" r:id="rId18"/>
+    <p:sldId id="281" r:id="rId19"/>
+    <p:sldId id="284" r:id="rId20"/>
+    <p:sldId id="282" r:id="rId21"/>
+    <p:sldId id="283" r:id="rId22"/>
+    <p:sldId id="260" r:id="rId23"/>
+    <p:sldId id="275" r:id="rId24"/>
+    <p:sldId id="262" r:id="rId25"/>
   </p:sldIdLst>
   <p:sldSz cx="12192000" cy="6858000"/>
   <p:notesSz cx="6858000" cy="9144000"/>
@@ -542,7 +549,7 @@
           <a:p>
             <a:fld id="{83284890-85D2-4D7B-8EF5-15A9C1DB8F42}" type="datetimeFigureOut">
               <a:rPr lang="en-US" dirty="0"/>
-              <a:t>3/24/2020</a:t>
+              <a:t>4/2/2020</a:t>
             </a:fld>
             <a:endParaRPr lang="en-US" dirty="0"/>
           </a:p>
@@ -729,7 +736,7 @@
           <a:p>
             <a:fld id="{87157CC2-0FC8-4686-B024-99790E0F5162}" type="datetimeFigureOut">
               <a:rPr lang="en-US" dirty="0"/>
-              <a:t>3/24/2020</a:t>
+              <a:t>4/2/2020</a:t>
             </a:fld>
             <a:endParaRPr lang="en-US" dirty="0"/>
           </a:p>
@@ -916,7 +923,7 @@
           <a:p>
             <a:fld id="{F6764DA5-CD3D-4590-A511-FCD3BC7A793E}" type="datetimeFigureOut">
               <a:rPr lang="en-US" dirty="0"/>
-              <a:t>3/24/2020</a:t>
+              <a:t>4/2/2020</a:t>
             </a:fld>
             <a:endParaRPr lang="en-US" dirty="0"/>
           </a:p>
@@ -1093,7 +1100,7 @@
           <a:p>
             <a:fld id="{82F5661D-6934-4B32-B92C-470368BF1EC6}" type="datetimeFigureOut">
               <a:rPr lang="en-US" dirty="0"/>
-              <a:t>3/24/2020</a:t>
+              <a:t>4/2/2020</a:t>
             </a:fld>
             <a:endParaRPr lang="en-US" dirty="0"/>
           </a:p>
@@ -1413,7 +1420,7 @@
           <a:p>
             <a:fld id="{C6F822A4-8DA6-4447-9B1F-C5DB58435268}" type="datetimeFigureOut">
               <a:rPr lang="en-US" dirty="0"/>
-              <a:t>3/24/2020</a:t>
+              <a:t>4/2/2020</a:t>
             </a:fld>
             <a:endParaRPr lang="en-US" dirty="0"/>
           </a:p>
@@ -1807,7 +1814,7 @@
           <a:p>
             <a:fld id="{E548D31E-DCDA-41A7-9C67-C4B11B94D21D}" type="datetimeFigureOut">
               <a:rPr lang="en-US" dirty="0"/>
-              <a:t>3/24/2020</a:t>
+              <a:t>4/2/2020</a:t>
             </a:fld>
             <a:endParaRPr lang="en-US" dirty="0"/>
           </a:p>
@@ -2248,7 +2255,7 @@
           <a:p>
             <a:fld id="{9B3762C0-B258-48F1-ADE6-176B4174CCDD}" type="datetimeFigureOut">
               <a:rPr lang="en-US" dirty="0"/>
-              <a:t>3/24/2020</a:t>
+              <a:t>4/2/2020</a:t>
             </a:fld>
             <a:endParaRPr lang="en-US" dirty="0"/>
           </a:p>
@@ -2373,7 +2380,7 @@
           <a:p>
             <a:fld id="{677919A6-33EB-49BD-A62F-1FA56B9F9712}" type="datetimeFigureOut">
               <a:rPr lang="en-US" dirty="0"/>
-              <a:t>3/24/2020</a:t>
+              <a:t>4/2/2020</a:t>
             </a:fld>
             <a:endParaRPr lang="en-US" dirty="0"/>
           </a:p>
@@ -2475,7 +2482,7 @@
           <a:p>
             <a:fld id="{CA4E7D1B-D673-4CF6-8672-009D42ABD2A0}" type="datetimeFigureOut">
               <a:rPr lang="en-US" dirty="0"/>
-              <a:t>3/24/2020</a:t>
+              <a:t>4/2/2020</a:t>
             </a:fld>
             <a:endParaRPr lang="en-US" dirty="0"/>
           </a:p>
@@ -2832,7 +2839,7 @@
           <a:p>
             <a:fld id="{DA16AA21-1863-4931-97CB-99D0A168701B}" type="datetimeFigureOut">
               <a:rPr lang="en-US" dirty="0"/>
-              <a:t>3/24/2020</a:t>
+              <a:t>4/2/2020</a:t>
             </a:fld>
             <a:endParaRPr lang="en-US" dirty="0"/>
           </a:p>
@@ -3264,7 +3271,7 @@
           <a:p>
             <a:fld id="{3772C379-9A7C-4C87-A116-CBE9F58B04C5}" type="datetimeFigureOut">
               <a:rPr lang="en-US" dirty="0"/>
-              <a:t>3/24/2020</a:t>
+              <a:t>4/2/2020</a:t>
             </a:fld>
             <a:endParaRPr lang="en-US" dirty="0"/>
           </a:p>
@@ -3552,7 +3559,7 @@
           <a:p>
             <a:fld id="{8664C608-40B1-4030-A28D-5B74BC98ADCE}" type="datetimeFigureOut">
               <a:rPr lang="en-US" dirty="0"/>
-              <a:t>3/24/2020</a:t>
+              <a:t>4/2/2020</a:t>
             </a:fld>
             <a:endParaRPr lang="en-US" dirty="0"/>
           </a:p>
@@ -4886,7 +4893,7 @@
                 <a:latin typeface="Times New Roman" panose="02020603050405020304" pitchFamily="18" charset="0"/>
                 <a:cs typeface="Times New Roman" panose="02020603050405020304" pitchFamily="18" charset="0"/>
               </a:rPr>
-              <a:t> Deploy the ML model in the web application</a:t>
+              <a:t>Deploy the ML model in the web application</a:t>
             </a:r>
           </a:p>
           <a:p>
@@ -4995,6 +5002,511 @@
         </p:nvSpPr>
         <p:spPr>
           <a:xfrm>
+            <a:off x="1069847" y="1259258"/>
+            <a:ext cx="10058400" cy="5324421"/>
+          </a:xfrm>
+        </p:spPr>
+        <p:txBody>
+          <a:bodyPr/>
+          <a:lstStyle/>
+          <a:p>
+            <a:pPr marL="457200" indent="-457200">
+              <a:buAutoNum type="arabicPeriod"/>
+            </a:pPr>
+            <a:r>
+              <a:rPr lang="en-IN" sz="2400" b="1" dirty="0" smtClean="0">
+                <a:latin typeface="Times New Roman" panose="02020603050405020304" pitchFamily="18" charset="0"/>
+                <a:cs typeface="Times New Roman" panose="02020603050405020304" pitchFamily="18" charset="0"/>
+              </a:rPr>
+              <a:t>How Images are Pre-Processed</a:t>
+            </a:r>
+          </a:p>
+          <a:p>
+            <a:pPr marL="0" indent="0">
+              <a:buNone/>
+            </a:pPr>
+            <a:r>
+              <a:rPr lang="en-IN" dirty="0" smtClean="0">
+                <a:latin typeface="Times New Roman" panose="02020603050405020304" pitchFamily="18" charset="0"/>
+                <a:cs typeface="Times New Roman" panose="02020603050405020304" pitchFamily="18" charset="0"/>
+              </a:rPr>
+              <a:t>CNN model could be used directly as part of a broader image caption model. The problem is, it is a large model and running each photo through the network every time we want to test a new language model configuration is redundant. Instead, we can pre-compute the “photo features” using the pre-trained model and save them to file. We can load these features later and feed them into our model as the interpretation of a given photo in the dataset. It is no different to running the photo through the full VGG model.</a:t>
+            </a:r>
+          </a:p>
+          <a:p>
+            <a:pPr marL="0" indent="0">
+              <a:buNone/>
+            </a:pPr>
+            <a:r>
+              <a:rPr lang="en-IN" dirty="0">
+                <a:latin typeface="Times New Roman" panose="02020603050405020304" pitchFamily="18" charset="0"/>
+                <a:cs typeface="Times New Roman" panose="02020603050405020304" pitchFamily="18" charset="0"/>
+              </a:rPr>
+              <a:t>This is an optimization that will make training our models faster and consume less </a:t>
+            </a:r>
+            <a:r>
+              <a:rPr lang="en-IN" dirty="0" smtClean="0">
+                <a:latin typeface="Times New Roman" panose="02020603050405020304" pitchFamily="18" charset="0"/>
+                <a:cs typeface="Times New Roman" panose="02020603050405020304" pitchFamily="18" charset="0"/>
+              </a:rPr>
+              <a:t>memory.</a:t>
+            </a:r>
+          </a:p>
+          <a:p>
+            <a:pPr marL="0" indent="0">
+              <a:buNone/>
+            </a:pPr>
+            <a:r>
+              <a:rPr lang="en-IN" dirty="0" smtClean="0">
+                <a:latin typeface="Times New Roman" panose="02020603050405020304" pitchFamily="18" charset="0"/>
+                <a:cs typeface="Times New Roman" panose="02020603050405020304" pitchFamily="18" charset="0"/>
+              </a:rPr>
+              <a:t>Once features are extracted, they are stored in pickle format as a file for future use.</a:t>
+            </a:r>
+          </a:p>
+          <a:p>
+            <a:pPr marL="0" indent="0">
+              <a:buNone/>
+            </a:pPr>
+            <a:r>
+              <a:rPr lang="en-IN" b="1" dirty="0" smtClean="0">
+                <a:latin typeface="Times New Roman" panose="02020603050405020304" pitchFamily="18" charset="0"/>
+                <a:cs typeface="Times New Roman" panose="02020603050405020304" pitchFamily="18" charset="0"/>
+              </a:rPr>
+              <a:t> </a:t>
+            </a:r>
+            <a:endParaRPr lang="en-IN" dirty="0">
+              <a:latin typeface="Times New Roman" panose="02020603050405020304" pitchFamily="18" charset="0"/>
+              <a:cs typeface="Times New Roman" panose="02020603050405020304" pitchFamily="18" charset="0"/>
+            </a:endParaRPr>
+          </a:p>
+        </p:txBody>
+      </p:sp>
+      <p:sp>
+        <p:nvSpPr>
+          <p:cNvPr id="4" name="Title 1"/>
+          <p:cNvSpPr>
+            <a:spLocks noGrp="1"/>
+          </p:cNvSpPr>
+          <p:nvPr>
+            <p:ph type="title"/>
+          </p:nvPr>
+        </p:nvSpPr>
+        <p:spPr>
+          <a:xfrm>
+            <a:off x="2770292" y="153847"/>
+            <a:ext cx="6657509" cy="638634"/>
+          </a:xfrm>
+        </p:spPr>
+        <p:txBody>
+          <a:bodyPr>
+            <a:normAutofit/>
+          </a:bodyPr>
+          <a:lstStyle/>
+          <a:p>
+            <a:pPr algn="ctr"/>
+            <a:r>
+              <a:rPr lang="en-IN" sz="3600" b="1" dirty="0" smtClean="0">
+                <a:latin typeface="Times New Roman" panose="02020603050405020304" pitchFamily="18" charset="0"/>
+                <a:cs typeface="Times New Roman" panose="02020603050405020304" pitchFamily="18" charset="0"/>
+              </a:rPr>
+              <a:t>DETAILED METHODOLOGY</a:t>
+            </a:r>
+            <a:endParaRPr lang="en-IN" sz="3600" b="1" dirty="0">
+              <a:latin typeface="Times New Roman" panose="02020603050405020304" pitchFamily="18" charset="0"/>
+              <a:cs typeface="Times New Roman" panose="02020603050405020304" pitchFamily="18" charset="0"/>
+            </a:endParaRPr>
+          </a:p>
+        </p:txBody>
+      </p:sp>
+      <p:pic>
+        <p:nvPicPr>
+          <p:cNvPr id="5" name="Picture 4"/>
+          <p:cNvPicPr>
+            <a:picLocks noChangeAspect="1"/>
+          </p:cNvPicPr>
+          <p:nvPr/>
+        </p:nvPicPr>
+        <p:blipFill>
+          <a:blip r:embed="rId2">
+            <a:extLst>
+              <a:ext uri="{28A0092B-C50C-407E-A947-70E740481C1C}">
+                <a14:useLocalDpi xmlns:a14="http://schemas.microsoft.com/office/drawing/2010/main" val="0"/>
+              </a:ext>
+            </a:extLst>
+          </a:blip>
+          <a:stretch>
+            <a:fillRect/>
+          </a:stretch>
+        </p:blipFill>
+        <p:spPr>
+          <a:xfrm>
+            <a:off x="2598608" y="4572953"/>
+            <a:ext cx="7000875" cy="1247775"/>
+          </a:xfrm>
+          <a:prstGeom prst="rect">
+            <a:avLst/>
+          </a:prstGeom>
+        </p:spPr>
+      </p:pic>
+    </p:spTree>
+    <p:extLst>
+      <p:ext uri="{BB962C8B-B14F-4D97-AF65-F5344CB8AC3E}">
+        <p14:creationId xmlns:p14="http://schemas.microsoft.com/office/powerpoint/2010/main" val="2931578625"/>
+      </p:ext>
+    </p:extLst>
+  </p:cSld>
+  <p:clrMapOvr>
+    <a:masterClrMapping/>
+  </p:clrMapOvr>
+  <mc:AlternateContent xmlns:mc="http://schemas.openxmlformats.org/markup-compatibility/2006" xmlns:p14="http://schemas.microsoft.com/office/powerpoint/2010/main">
+    <mc:Choice Requires="p14">
+      <p:transition spd="slow" p14:dur="1500">
+        <p:random/>
+      </p:transition>
+    </mc:Choice>
+    <mc:Fallback xmlns="">
+      <p:transition spd="slow">
+        <p:random/>
+      </p:transition>
+    </mc:Fallback>
+  </mc:AlternateContent>
+</p:sld>
+</file>
+
+<file path=ppt/slides/slide13.xml><?xml version="1.0" encoding="utf-8"?>
+<p:sld xmlns:a="http://schemas.openxmlformats.org/drawingml/2006/main" xmlns:r="http://schemas.openxmlformats.org/officeDocument/2006/relationships" xmlns:p="http://schemas.openxmlformats.org/presentationml/2006/main">
+  <p:cSld>
+    <p:spTree>
+      <p:nvGrpSpPr>
+        <p:cNvPr id="1" name=""/>
+        <p:cNvGrpSpPr/>
+        <p:nvPr/>
+      </p:nvGrpSpPr>
+      <p:grpSpPr>
+        <a:xfrm>
+          <a:off x="0" y="0"/>
+          <a:ext cx="0" cy="0"/>
+          <a:chOff x="0" y="0"/>
+          <a:chExt cx="0" cy="0"/>
+        </a:xfrm>
+      </p:grpSpPr>
+      <p:sp>
+        <p:nvSpPr>
+          <p:cNvPr id="3" name="Content Placeholder 2"/>
+          <p:cNvSpPr>
+            <a:spLocks noGrp="1"/>
+          </p:cNvSpPr>
+          <p:nvPr>
+            <p:ph idx="1"/>
+          </p:nvPr>
+        </p:nvSpPr>
+        <p:spPr>
+          <a:xfrm>
+            <a:off x="1069846" y="1050253"/>
+            <a:ext cx="10058400" cy="5341837"/>
+          </a:xfrm>
+        </p:spPr>
+        <p:txBody>
+          <a:bodyPr/>
+          <a:lstStyle/>
+          <a:p>
+            <a:pPr marL="0" indent="0">
+              <a:buNone/>
+            </a:pPr>
+            <a:r>
+              <a:rPr lang="en-IN" sz="2400" b="1" dirty="0" smtClean="0">
+                <a:latin typeface="Times New Roman" panose="02020603050405020304" pitchFamily="18" charset="0"/>
+                <a:cs typeface="Times New Roman" panose="02020603050405020304" pitchFamily="18" charset="0"/>
+              </a:rPr>
+              <a:t>2. How Captions are Pre-Processed</a:t>
+            </a:r>
+          </a:p>
+          <a:p>
+            <a:pPr marL="0" indent="0">
+              <a:buNone/>
+            </a:pPr>
+            <a:r>
+              <a:rPr lang="en-IN" dirty="0" smtClean="0">
+                <a:latin typeface="Times New Roman" panose="02020603050405020304" pitchFamily="18" charset="0"/>
+                <a:cs typeface="Times New Roman" panose="02020603050405020304" pitchFamily="18" charset="0"/>
+              </a:rPr>
+              <a:t>The dataset contains </a:t>
+            </a:r>
+            <a:r>
+              <a:rPr lang="en-IN" dirty="0">
+                <a:latin typeface="Times New Roman" panose="02020603050405020304" pitchFamily="18" charset="0"/>
+                <a:cs typeface="Times New Roman" panose="02020603050405020304" pitchFamily="18" charset="0"/>
+              </a:rPr>
+              <a:t>multiple descriptions for each photograph and the text of the descriptions requires some minimal cleaning</a:t>
+            </a:r>
+            <a:r>
+              <a:rPr lang="en-IN" dirty="0" smtClean="0">
+                <a:latin typeface="Times New Roman" panose="02020603050405020304" pitchFamily="18" charset="0"/>
+                <a:cs typeface="Times New Roman" panose="02020603050405020304" pitchFamily="18" charset="0"/>
+              </a:rPr>
+              <a:t>. Once the file containing all of the descriptions of the images, the objective is to find the unique identifier of each image. This identifier is used on the photo filename and in the text file of descriptions.</a:t>
+            </a:r>
+          </a:p>
+          <a:p>
+            <a:pPr marL="0" indent="0">
+              <a:buNone/>
+            </a:pPr>
+            <a:r>
+              <a:rPr lang="en-IN" dirty="0" smtClean="0">
+                <a:latin typeface="Times New Roman" panose="02020603050405020304" pitchFamily="18" charset="0"/>
+                <a:cs typeface="Times New Roman" panose="02020603050405020304" pitchFamily="18" charset="0"/>
+              </a:rPr>
+              <a:t>Once the list of photo descriptions are loaded, it will return a dictionary of photo identifiers to descriptions. Each photo identifier maps to a list of one or more textual descriptions. Then the descriptions are needed to be cleaned. Then the cleaned descriptions are tokenized so that they are easier to work with.</a:t>
+            </a:r>
+          </a:p>
+          <a:p>
+            <a:pPr marL="0" indent="0">
+              <a:buNone/>
+            </a:pPr>
+            <a:r>
+              <a:rPr lang="en-IN" dirty="0" smtClean="0">
+                <a:latin typeface="Times New Roman" panose="02020603050405020304" pitchFamily="18" charset="0"/>
+                <a:cs typeface="Times New Roman" panose="02020603050405020304" pitchFamily="18" charset="0"/>
+              </a:rPr>
+              <a:t>The text is cleansed in order to reduce the size of the vocabulary of words. It is done to convert all words to lowercase, remove all punctuations, remove all words that are one character or less in length and remove all words with numbers in them. Once cleaned, we can summarize the size of the vocabulary.</a:t>
+            </a:r>
+          </a:p>
+          <a:p>
+            <a:pPr marL="0" indent="0">
+              <a:buNone/>
+            </a:pPr>
+            <a:r>
+              <a:rPr lang="en-IN" dirty="0" smtClean="0">
+                <a:latin typeface="Times New Roman" panose="02020603050405020304" pitchFamily="18" charset="0"/>
+                <a:cs typeface="Times New Roman" panose="02020603050405020304" pitchFamily="18" charset="0"/>
+              </a:rPr>
+              <a:t>Ideally, a small and expressive vocabulary is expected.</a:t>
+            </a:r>
+          </a:p>
+          <a:p>
+            <a:pPr marL="0" indent="0">
+              <a:buNone/>
+            </a:pPr>
+            <a:r>
+              <a:rPr lang="en-IN" dirty="0" smtClean="0">
+                <a:latin typeface="Times New Roman" panose="02020603050405020304" pitchFamily="18" charset="0"/>
+                <a:cs typeface="Times New Roman" panose="02020603050405020304" pitchFamily="18" charset="0"/>
+              </a:rPr>
+              <a:t>Finally, the dictionary of image identifiers and descriptions are saved to a new file called descriptions.txt with one image identifier and description per line.</a:t>
+            </a:r>
+            <a:endParaRPr lang="en-IN" dirty="0">
+              <a:latin typeface="Times New Roman" panose="02020603050405020304" pitchFamily="18" charset="0"/>
+              <a:cs typeface="Times New Roman" panose="02020603050405020304" pitchFamily="18" charset="0"/>
+            </a:endParaRPr>
+          </a:p>
+          <a:p>
+            <a:pPr marL="0" indent="0">
+              <a:buNone/>
+            </a:pPr>
+            <a:endParaRPr lang="en-IN" dirty="0"/>
+          </a:p>
+        </p:txBody>
+      </p:sp>
+      <p:sp>
+        <p:nvSpPr>
+          <p:cNvPr id="4" name="Title 1"/>
+          <p:cNvSpPr>
+            <a:spLocks noGrp="1"/>
+          </p:cNvSpPr>
+          <p:nvPr>
+            <p:ph type="title"/>
+          </p:nvPr>
+        </p:nvSpPr>
+        <p:spPr>
+          <a:xfrm>
+            <a:off x="2770292" y="179973"/>
+            <a:ext cx="6657509" cy="638634"/>
+          </a:xfrm>
+        </p:spPr>
+        <p:txBody>
+          <a:bodyPr>
+            <a:normAutofit/>
+          </a:bodyPr>
+          <a:lstStyle/>
+          <a:p>
+            <a:pPr algn="ctr"/>
+            <a:r>
+              <a:rPr lang="en-IN" sz="3600" b="1" dirty="0" smtClean="0">
+                <a:latin typeface="Times New Roman" panose="02020603050405020304" pitchFamily="18" charset="0"/>
+                <a:cs typeface="Times New Roman" panose="02020603050405020304" pitchFamily="18" charset="0"/>
+              </a:rPr>
+              <a:t>DETAILED METHODOLOGY</a:t>
+            </a:r>
+            <a:endParaRPr lang="en-IN" sz="3600" b="1" dirty="0">
+              <a:latin typeface="Times New Roman" panose="02020603050405020304" pitchFamily="18" charset="0"/>
+              <a:cs typeface="Times New Roman" panose="02020603050405020304" pitchFamily="18" charset="0"/>
+            </a:endParaRPr>
+          </a:p>
+        </p:txBody>
+      </p:sp>
+    </p:spTree>
+    <p:extLst>
+      <p:ext uri="{BB962C8B-B14F-4D97-AF65-F5344CB8AC3E}">
+        <p14:creationId xmlns:p14="http://schemas.microsoft.com/office/powerpoint/2010/main" val="4058446482"/>
+      </p:ext>
+    </p:extLst>
+  </p:cSld>
+  <p:clrMapOvr>
+    <a:masterClrMapping/>
+  </p:clrMapOvr>
+  <mc:AlternateContent xmlns:mc="http://schemas.openxmlformats.org/markup-compatibility/2006" xmlns:p14="http://schemas.microsoft.com/office/powerpoint/2010/main">
+    <mc:Choice Requires="p14">
+      <p:transition spd="slow" p14:dur="1500">
+        <p:random/>
+      </p:transition>
+    </mc:Choice>
+    <mc:Fallback xmlns="">
+      <p:transition spd="slow">
+        <p:random/>
+      </p:transition>
+    </mc:Fallback>
+  </mc:AlternateContent>
+</p:sld>
+</file>
+
+<file path=ppt/slides/slide14.xml><?xml version="1.0" encoding="utf-8"?>
+<p:sld xmlns:a="http://schemas.openxmlformats.org/drawingml/2006/main" xmlns:r="http://schemas.openxmlformats.org/officeDocument/2006/relationships" xmlns:p="http://schemas.openxmlformats.org/presentationml/2006/main">
+  <p:cSld>
+    <p:spTree>
+      <p:nvGrpSpPr>
+        <p:cNvPr id="1" name=""/>
+        <p:cNvGrpSpPr/>
+        <p:nvPr/>
+      </p:nvGrpSpPr>
+      <p:grpSpPr>
+        <a:xfrm>
+          <a:off x="0" y="0"/>
+          <a:ext cx="0" cy="0"/>
+          <a:chOff x="0" y="0"/>
+          <a:chExt cx="0" cy="0"/>
+        </a:xfrm>
+      </p:grpSpPr>
+      <p:sp>
+        <p:nvSpPr>
+          <p:cNvPr id="4" name="Title 1"/>
+          <p:cNvSpPr>
+            <a:spLocks noGrp="1"/>
+          </p:cNvSpPr>
+          <p:nvPr>
+            <p:ph type="title"/>
+          </p:nvPr>
+        </p:nvSpPr>
+        <p:spPr>
+          <a:xfrm>
+            <a:off x="2770292" y="179973"/>
+            <a:ext cx="6657509" cy="638634"/>
+          </a:xfrm>
+        </p:spPr>
+        <p:txBody>
+          <a:bodyPr>
+            <a:normAutofit/>
+          </a:bodyPr>
+          <a:lstStyle/>
+          <a:p>
+            <a:pPr algn="ctr"/>
+            <a:r>
+              <a:rPr lang="en-IN" sz="3600" b="1" dirty="0" smtClean="0">
+                <a:latin typeface="Times New Roman" panose="02020603050405020304" pitchFamily="18" charset="0"/>
+                <a:cs typeface="Times New Roman" panose="02020603050405020304" pitchFamily="18" charset="0"/>
+              </a:rPr>
+              <a:t>DETAILED METHODOLOGY</a:t>
+            </a:r>
+            <a:endParaRPr lang="en-IN" sz="3600" b="1" dirty="0">
+              <a:latin typeface="Times New Roman" panose="02020603050405020304" pitchFamily="18" charset="0"/>
+              <a:cs typeface="Times New Roman" panose="02020603050405020304" pitchFamily="18" charset="0"/>
+            </a:endParaRPr>
+          </a:p>
+        </p:txBody>
+      </p:sp>
+      <p:pic>
+        <p:nvPicPr>
+          <p:cNvPr id="7" name="Content Placeholder 6"/>
+          <p:cNvPicPr>
+            <a:picLocks noGrp="1" noChangeAspect="1"/>
+          </p:cNvPicPr>
+          <p:nvPr>
+            <p:ph idx="1"/>
+          </p:nvPr>
+        </p:nvPicPr>
+        <p:blipFill>
+          <a:blip r:embed="rId2">
+            <a:extLst>
+              <a:ext uri="{28A0092B-C50C-407E-A947-70E740481C1C}">
+                <a14:useLocalDpi xmlns:a14="http://schemas.microsoft.com/office/drawing/2010/main" val="0"/>
+              </a:ext>
+            </a:extLst>
+          </a:blip>
+          <a:stretch>
+            <a:fillRect/>
+          </a:stretch>
+        </p:blipFill>
+        <p:spPr>
+          <a:xfrm>
+            <a:off x="1933877" y="1375956"/>
+            <a:ext cx="8330338" cy="4482636"/>
+          </a:xfrm>
+        </p:spPr>
+      </p:pic>
+    </p:spTree>
+    <p:extLst>
+      <p:ext uri="{BB962C8B-B14F-4D97-AF65-F5344CB8AC3E}">
+        <p14:creationId xmlns:p14="http://schemas.microsoft.com/office/powerpoint/2010/main" val="645066492"/>
+      </p:ext>
+    </p:extLst>
+  </p:cSld>
+  <p:clrMapOvr>
+    <a:masterClrMapping/>
+  </p:clrMapOvr>
+  <mc:AlternateContent xmlns:mc="http://schemas.openxmlformats.org/markup-compatibility/2006" xmlns:p14="http://schemas.microsoft.com/office/powerpoint/2010/main">
+    <mc:Choice Requires="p14">
+      <p:transition spd="slow" p14:dur="1500">
+        <p:random/>
+      </p:transition>
+    </mc:Choice>
+    <mc:Fallback xmlns="">
+      <p:transition spd="slow">
+        <p:random/>
+      </p:transition>
+    </mc:Fallback>
+  </mc:AlternateContent>
+</p:sld>
+</file>
+
+<file path=ppt/slides/slide15.xml><?xml version="1.0" encoding="utf-8"?>
+<p:sld xmlns:a="http://schemas.openxmlformats.org/drawingml/2006/main" xmlns:r="http://schemas.openxmlformats.org/officeDocument/2006/relationships" xmlns:p="http://schemas.openxmlformats.org/presentationml/2006/main">
+  <p:cSld>
+    <p:spTree>
+      <p:nvGrpSpPr>
+        <p:cNvPr id="1" name=""/>
+        <p:cNvGrpSpPr/>
+        <p:nvPr/>
+      </p:nvGrpSpPr>
+      <p:grpSpPr>
+        <a:xfrm>
+          <a:off x="0" y="0"/>
+          <a:ext cx="0" cy="0"/>
+          <a:chOff x="0" y="0"/>
+          <a:chExt cx="0" cy="0"/>
+        </a:xfrm>
+      </p:grpSpPr>
+      <p:sp>
+        <p:nvSpPr>
+          <p:cNvPr id="3" name="Content Placeholder 2"/>
+          <p:cNvSpPr>
+            <a:spLocks noGrp="1"/>
+          </p:cNvSpPr>
+          <p:nvPr>
+            <p:ph idx="1"/>
+          </p:nvPr>
+        </p:nvSpPr>
+        <p:spPr>
+          <a:xfrm>
             <a:off x="1069845" y="980584"/>
             <a:ext cx="10058400" cy="5446342"/>
           </a:xfrm>
@@ -5009,11 +5521,18 @@
               <a:buNone/>
             </a:pPr>
             <a:r>
+              <a:rPr lang="en-IN" sz="2400" b="1" dirty="0">
+                <a:latin typeface="Times New Roman" panose="02020603050405020304" pitchFamily="18" charset="0"/>
+                <a:cs typeface="Times New Roman" panose="02020603050405020304" pitchFamily="18" charset="0"/>
+              </a:rPr>
+              <a:t>3</a:t>
+            </a:r>
+            <a:r>
               <a:rPr lang="en-IN" sz="2400" b="1" dirty="0" smtClean="0">
                 <a:latin typeface="Times New Roman" panose="02020603050405020304" pitchFamily="18" charset="0"/>
                 <a:cs typeface="Times New Roman" panose="02020603050405020304" pitchFamily="18" charset="0"/>
               </a:rPr>
-              <a:t>1. Convolutional Neural Networks</a:t>
+              <a:t>. Convolutional Neural Networks</a:t>
             </a:r>
           </a:p>
           <a:p>
@@ -5141,7 +5660,7 @@
 </p:sld>
 </file>
 
-<file path=ppt/slides/slide13.xml><?xml version="1.0" encoding="utf-8"?>
+<file path=ppt/slides/slide16.xml><?xml version="1.0" encoding="utf-8"?>
 <p:sld xmlns:a="http://schemas.openxmlformats.org/drawingml/2006/main" xmlns:r="http://schemas.openxmlformats.org/officeDocument/2006/relationships" xmlns:p="http://schemas.openxmlformats.org/presentationml/2006/main">
   <p:cSld>
     <p:spTree>
@@ -5188,7 +5707,7 @@
                 <a:latin typeface="Times New Roman" panose="02020603050405020304" pitchFamily="18" charset="0"/>
                 <a:cs typeface="Times New Roman" panose="02020603050405020304" pitchFamily="18" charset="0"/>
               </a:rPr>
-              <a:t>2. LSTM (Long Short Term Memory) </a:t>
+              <a:t>4. LSTM (Long Short Term Memory) </a:t>
             </a:r>
           </a:p>
           <a:p>
@@ -5350,7 +5869,7 @@
 </p:sld>
 </file>
 
-<file path=ppt/slides/slide14.xml><?xml version="1.0" encoding="utf-8"?>
+<file path=ppt/slides/slide17.xml><?xml version="1.0" encoding="utf-8"?>
 <p:sld xmlns:a="http://schemas.openxmlformats.org/drawingml/2006/main" xmlns:r="http://schemas.openxmlformats.org/officeDocument/2006/relationships" xmlns:p="http://schemas.openxmlformats.org/presentationml/2006/main">
   <p:cSld>
     <p:spTree>
@@ -5393,7 +5912,7 @@
                 <a:latin typeface="Times New Roman" panose="02020603050405020304" pitchFamily="18" charset="0"/>
                 <a:cs typeface="Times New Roman" panose="02020603050405020304" pitchFamily="18" charset="0"/>
               </a:rPr>
-              <a:t>3</a:t>
+              <a:t>5</a:t>
             </a:r>
             <a:r>
               <a:rPr lang="en-IN" sz="2400" b="1" dirty="0" smtClean="0">
@@ -5464,7 +5983,7 @@
 </p:sld>
 </file>
 
-<file path=ppt/slides/slide15.xml><?xml version="1.0" encoding="utf-8"?>
+<file path=ppt/slides/slide18.xml><?xml version="1.0" encoding="utf-8"?>
 <p:sld xmlns:a="http://schemas.openxmlformats.org/drawingml/2006/main" xmlns:r="http://schemas.openxmlformats.org/officeDocument/2006/relationships" xmlns:p="http://schemas.openxmlformats.org/presentationml/2006/main">
   <p:cSld>
     <p:spTree>
@@ -5483,18 +6002,18 @@
       </p:grpSpPr>
       <p:sp>
         <p:nvSpPr>
-          <p:cNvPr id="3" name="Content Placeholder 2"/>
-          <p:cNvSpPr>
-            <a:spLocks noGrp="1"/>
-          </p:cNvSpPr>
-          <p:nvPr>
-            <p:ph idx="1"/>
+          <p:cNvPr id="4" name="Title 1"/>
+          <p:cNvSpPr>
+            <a:spLocks noGrp="1"/>
+          </p:cNvSpPr>
+          <p:nvPr>
+            <p:ph type="title"/>
           </p:nvPr>
         </p:nvSpPr>
         <p:spPr>
           <a:xfrm>
-            <a:off x="1069847" y="2034322"/>
-            <a:ext cx="10058400" cy="1396855"/>
+            <a:off x="2154228" y="119011"/>
+            <a:ext cx="7889631" cy="777970"/>
           </a:xfrm>
         </p:spPr>
         <p:txBody>
@@ -5503,140 +6022,13 @@
           </a:bodyPr>
           <a:lstStyle/>
           <a:p>
-            <a:r>
-              <a:rPr lang="en-IN" sz="2400" dirty="0" smtClean="0">
-                <a:latin typeface="Times New Roman" panose="02020603050405020304" pitchFamily="18" charset="0"/>
-                <a:cs typeface="Times New Roman" panose="02020603050405020304" pitchFamily="18" charset="0"/>
-              </a:rPr>
-              <a:t>If the caption is converted to speech it will be helpful for the visually impaired person </a:t>
-            </a:r>
-          </a:p>
-          <a:p>
-            <a:r>
-              <a:rPr lang="en-IN" sz="2400" dirty="0" smtClean="0">
-                <a:latin typeface="Times New Roman" panose="02020603050405020304" pitchFamily="18" charset="0"/>
-                <a:cs typeface="Times New Roman" panose="02020603050405020304" pitchFamily="18" charset="0"/>
-              </a:rPr>
-              <a:t>Auto subtitling</a:t>
-            </a:r>
-          </a:p>
-        </p:txBody>
-      </p:sp>
-      <p:sp>
-        <p:nvSpPr>
-          <p:cNvPr id="4" name="Title 1"/>
-          <p:cNvSpPr>
-            <a:spLocks noGrp="1"/>
-          </p:cNvSpPr>
-          <p:nvPr>
-            <p:ph type="title"/>
-          </p:nvPr>
-        </p:nvSpPr>
-        <p:spPr>
-          <a:xfrm>
-            <a:off x="1839793" y="319170"/>
-            <a:ext cx="8518507" cy="900031"/>
-          </a:xfrm>
-        </p:spPr>
-        <p:txBody>
-          <a:bodyPr>
-            <a:noAutofit/>
-          </a:bodyPr>
-          <a:lstStyle/>
-          <a:p>
             <a:pPr algn="ctr"/>
             <a:r>
               <a:rPr lang="en-IN" sz="3600" b="1" dirty="0" smtClean="0">
                 <a:latin typeface="Times New Roman" panose="02020603050405020304" pitchFamily="18" charset="0"/>
                 <a:cs typeface="Times New Roman" panose="02020603050405020304" pitchFamily="18" charset="0"/>
               </a:rPr>
-              <a:t>APPLICATION IN THE REAL WORLD</a:t>
-            </a:r>
-            <a:endParaRPr lang="en-IN" sz="3600" dirty="0">
-              <a:latin typeface="Times New Roman" panose="02020603050405020304" pitchFamily="18" charset="0"/>
-              <a:cs typeface="Times New Roman" panose="02020603050405020304" pitchFamily="18" charset="0"/>
-            </a:endParaRPr>
-          </a:p>
-        </p:txBody>
-      </p:sp>
-    </p:spTree>
-    <p:extLst>
-      <p:ext uri="{BB962C8B-B14F-4D97-AF65-F5344CB8AC3E}">
-        <p14:creationId xmlns:p14="http://schemas.microsoft.com/office/powerpoint/2010/main" val="1481163272"/>
-      </p:ext>
-    </p:extLst>
-  </p:cSld>
-  <p:clrMapOvr>
-    <a:masterClrMapping/>
-  </p:clrMapOvr>
-  <mc:AlternateContent xmlns:mc="http://schemas.openxmlformats.org/markup-compatibility/2006" xmlns:p14="http://schemas.microsoft.com/office/powerpoint/2010/main">
-    <mc:Choice Requires="p14">
-      <p:transition spd="slow" p14:dur="1500">
-        <p:random/>
-      </p:transition>
-    </mc:Choice>
-    <mc:Fallback xmlns="">
-      <p:transition spd="slow">
-        <p:random/>
-      </p:transition>
-    </mc:Fallback>
-  </mc:AlternateContent>
-  <p:timing>
-    <p:tnLst>
-      <p:par>
-        <p:cTn id="1" dur="indefinite" restart="never" nodeType="tmRoot"/>
-      </p:par>
-    </p:tnLst>
-  </p:timing>
-</p:sld>
-</file>
-
-<file path=ppt/slides/slide16.xml><?xml version="1.0" encoding="utf-8"?>
-<p:sld xmlns:a="http://schemas.openxmlformats.org/drawingml/2006/main" xmlns:r="http://schemas.openxmlformats.org/officeDocument/2006/relationships" xmlns:p="http://schemas.openxmlformats.org/presentationml/2006/main">
-  <p:cSld>
-    <p:spTree>
-      <p:nvGrpSpPr>
-        <p:cNvPr id="1" name=""/>
-        <p:cNvGrpSpPr/>
-        <p:nvPr/>
-      </p:nvGrpSpPr>
-      <p:grpSpPr>
-        <a:xfrm>
-          <a:off x="0" y="0"/>
-          <a:ext cx="0" cy="0"/>
-          <a:chOff x="0" y="0"/>
-          <a:chExt cx="0" cy="0"/>
-        </a:xfrm>
-      </p:grpSpPr>
-      <p:sp>
-        <p:nvSpPr>
-          <p:cNvPr id="2" name="Title 1"/>
-          <p:cNvSpPr>
-            <a:spLocks noGrp="1"/>
-          </p:cNvSpPr>
-          <p:nvPr>
-            <p:ph type="title"/>
-          </p:nvPr>
-        </p:nvSpPr>
-        <p:spPr>
-          <a:xfrm>
-            <a:off x="4197532" y="179832"/>
-            <a:ext cx="3421162" cy="673608"/>
-          </a:xfrm>
-        </p:spPr>
-        <p:txBody>
-          <a:bodyPr>
-            <a:normAutofit/>
-          </a:bodyPr>
-          <a:lstStyle/>
-          <a:p>
-            <a:pPr algn="ctr"/>
-            <a:r>
-              <a:rPr lang="en-IN" sz="3600" b="1" dirty="0" smtClean="0">
-                <a:latin typeface="Times New Roman" panose="02020603050405020304" pitchFamily="18" charset="0"/>
-                <a:cs typeface="Times New Roman" panose="02020603050405020304" pitchFamily="18" charset="0"/>
-              </a:rPr>
-              <a:t>Progress</a:t>
+              <a:t>Design diagrams</a:t>
             </a:r>
             <a:endParaRPr lang="en-IN" sz="3600" b="1" dirty="0">
               <a:latin typeface="Times New Roman" panose="02020603050405020304" pitchFamily="18" charset="0"/>
@@ -5645,183 +6037,102 @@
           </a:p>
         </p:txBody>
       </p:sp>
-      <p:sp>
-        <p:nvSpPr>
-          <p:cNvPr id="3" name="Content Placeholder 2"/>
-          <p:cNvSpPr>
-            <a:spLocks noGrp="1"/>
-          </p:cNvSpPr>
+      <p:pic>
+        <p:nvPicPr>
+          <p:cNvPr id="9" name="Content Placeholder 8"/>
+          <p:cNvPicPr>
+            <a:picLocks noGrp="1" noChangeAspect="1"/>
+          </p:cNvPicPr>
           <p:nvPr>
             <p:ph idx="1"/>
           </p:nvPr>
-        </p:nvSpPr>
+        </p:nvPicPr>
+        <p:blipFill>
+          <a:blip r:embed="rId2">
+            <a:extLst>
+              <a:ext uri="{28A0092B-C50C-407E-A947-70E740481C1C}">
+                <a14:useLocalDpi xmlns:a14="http://schemas.microsoft.com/office/drawing/2010/main" val="0"/>
+              </a:ext>
+            </a:extLst>
+          </a:blip>
+          <a:stretch>
+            <a:fillRect/>
+          </a:stretch>
+        </p:blipFill>
         <p:spPr>
           <a:xfrm>
-            <a:off x="878913" y="1201783"/>
-            <a:ext cx="10058400" cy="5033553"/>
+            <a:off x="2738091" y="2124891"/>
+            <a:ext cx="6721906" cy="3901439"/>
           </a:xfrm>
         </p:spPr>
-        <p:txBody>
-          <a:bodyPr>
+      </p:pic>
+      <p:sp>
+        <p:nvSpPr>
+          <p:cNvPr id="5" name="Title 1"/>
+          <p:cNvSpPr txBox="1">
+            <a:spLocks/>
+          </p:cNvSpPr>
+          <p:nvPr/>
+        </p:nvSpPr>
+        <p:spPr>
+          <a:xfrm>
+            <a:off x="2154229" y="966649"/>
+            <a:ext cx="7889631" cy="777970"/>
+          </a:xfrm>
+          <a:prstGeom prst="rect">
+            <a:avLst/>
+          </a:prstGeom>
+        </p:spPr>
+        <p:txBody>
+          <a:bodyPr vert="horz" lIns="91440" tIns="45720" rIns="91440" bIns="45720" rtlCol="0" anchor="ctr">
             <a:normAutofit/>
           </a:bodyPr>
-          <a:lstStyle/>
-          <a:p>
-            <a:r>
-              <a:rPr lang="en-IN" sz="2200" dirty="0" smtClean="0">
-                <a:latin typeface="Times New Roman" panose="02020603050405020304" pitchFamily="18" charset="0"/>
-                <a:cs typeface="Times New Roman" panose="02020603050405020304" pitchFamily="18" charset="0"/>
-              </a:rPr>
-              <a:t>Data Gathering</a:t>
-            </a:r>
-          </a:p>
-          <a:p>
-            <a:pPr lvl="1"/>
-            <a:r>
-              <a:rPr lang="en-IN" sz="2200" b="1" dirty="0">
-                <a:latin typeface="Times New Roman" panose="02020603050405020304" pitchFamily="18" charset="0"/>
-                <a:cs typeface="Times New Roman" panose="02020603050405020304" pitchFamily="18" charset="0"/>
-              </a:rPr>
-              <a:t>Flickr_8K dataset – </a:t>
-            </a:r>
-            <a:r>
-              <a:rPr lang="en-IN" sz="2200" dirty="0">
-                <a:latin typeface="Times New Roman" panose="02020603050405020304" pitchFamily="18" charset="0"/>
-                <a:cs typeface="Times New Roman" panose="02020603050405020304" pitchFamily="18" charset="0"/>
-              </a:rPr>
-              <a:t>For this project, Flickr_8K dataset is being used as other big datasets like Flickr_30K and MSCOCO datasets can take weeks just to train the network.</a:t>
-            </a:r>
-            <a:endParaRPr lang="en-IN" sz="2200" b="1" dirty="0">
+          <a:lstStyle>
+            <a:lvl1pPr algn="l" defTabSz="914400" rtl="0" eaLnBrk="1" latinLnBrk="0" hangingPunct="1">
+              <a:lnSpc>
+                <a:spcPct val="90000"/>
+              </a:lnSpc>
+              <a:spcBef>
+                <a:spcPct val="0"/>
+              </a:spcBef>
+              <a:buNone/>
+              <a:defRPr sz="5400" kern="1200" cap="all" baseline="0">
+                <a:blipFill>
+                  <a:blip r:embed="rId3">
+                    <a:extLst>
+                      <a:ext uri="{28A0092B-C50C-407E-A947-70E740481C1C}">
+                        <a14:useLocalDpi xmlns:a14="http://schemas.microsoft.com/office/drawing/2010/main" val="0"/>
+                      </a:ext>
+                    </a:extLst>
+                  </a:blip>
+                  <a:tile tx="6350" ty="-127000" sx="65000" sy="64000" flip="none" algn="tl"/>
+                </a:blipFill>
+                <a:latin typeface="+mj-lt"/>
+                <a:ea typeface="+mj-ea"/>
+                <a:cs typeface="+mj-cs"/>
+              </a:defRPr>
+            </a:lvl1pPr>
+          </a:lstStyle>
+          <a:p>
+            <a:pPr algn="ctr"/>
+            <a:r>
+              <a:rPr lang="en-IN" sz="3200" b="1" dirty="0" smtClean="0">
+                <a:latin typeface="Times New Roman" panose="02020603050405020304" pitchFamily="18" charset="0"/>
+                <a:cs typeface="Times New Roman" panose="02020603050405020304" pitchFamily="18" charset="0"/>
+              </a:rPr>
+              <a:t>DFD</a:t>
+            </a:r>
+            <a:endParaRPr lang="en-IN" sz="3200" b="1" dirty="0">
               <a:latin typeface="Times New Roman" panose="02020603050405020304" pitchFamily="18" charset="0"/>
               <a:cs typeface="Times New Roman" panose="02020603050405020304" pitchFamily="18" charset="0"/>
             </a:endParaRPr>
           </a:p>
-          <a:p>
-            <a:r>
-              <a:rPr lang="en-IN" sz="2200" dirty="0" smtClean="0">
-                <a:latin typeface="Times New Roman" panose="02020603050405020304" pitchFamily="18" charset="0"/>
-                <a:cs typeface="Times New Roman" panose="02020603050405020304" pitchFamily="18" charset="0"/>
-              </a:rPr>
-              <a:t>Web user interface created</a:t>
-            </a:r>
-          </a:p>
-          <a:p>
-            <a:r>
-              <a:rPr lang="en-IN" sz="2200" dirty="0" smtClean="0">
-                <a:latin typeface="Times New Roman" panose="02020603050405020304" pitchFamily="18" charset="0"/>
-                <a:cs typeface="Times New Roman" panose="02020603050405020304" pitchFamily="18" charset="0"/>
-              </a:rPr>
-              <a:t>Pre-processing done</a:t>
-            </a:r>
-            <a:endParaRPr lang="en-IN" sz="2200" dirty="0" smtClean="0">
-              <a:latin typeface="Times New Roman" panose="02020603050405020304" pitchFamily="18" charset="0"/>
-              <a:cs typeface="Times New Roman" panose="02020603050405020304" pitchFamily="18" charset="0"/>
-            </a:endParaRPr>
-          </a:p>
-          <a:p>
-            <a:r>
-              <a:rPr lang="en-IN" sz="2200" dirty="0" smtClean="0">
-                <a:latin typeface="Times New Roman" panose="02020603050405020304" pitchFamily="18" charset="0"/>
-                <a:cs typeface="Times New Roman" panose="02020603050405020304" pitchFamily="18" charset="0"/>
-              </a:rPr>
-              <a:t>Features extracted </a:t>
-            </a:r>
-            <a:r>
-              <a:rPr lang="en-IN" sz="2200" dirty="0" smtClean="0">
-                <a:latin typeface="Times New Roman" panose="02020603050405020304" pitchFamily="18" charset="0"/>
-                <a:cs typeface="Times New Roman" panose="02020603050405020304" pitchFamily="18" charset="0"/>
-              </a:rPr>
-              <a:t>from images</a:t>
-            </a:r>
-          </a:p>
-          <a:p>
-            <a:r>
-              <a:rPr lang="en-IN" sz="2200" smtClean="0">
-                <a:latin typeface="Times New Roman" panose="02020603050405020304" pitchFamily="18" charset="0"/>
-                <a:cs typeface="Times New Roman" panose="02020603050405020304" pitchFamily="18" charset="0"/>
-              </a:rPr>
-              <a:t>Object </a:t>
-            </a:r>
-            <a:r>
-              <a:rPr lang="en-IN" sz="2200" smtClean="0">
-                <a:latin typeface="Times New Roman" panose="02020603050405020304" pitchFamily="18" charset="0"/>
-                <a:cs typeface="Times New Roman" panose="02020603050405020304" pitchFamily="18" charset="0"/>
-              </a:rPr>
-              <a:t>identification done</a:t>
-            </a:r>
-            <a:endParaRPr lang="en-IN" sz="2200" dirty="0" smtClean="0">
-              <a:latin typeface="Times New Roman" panose="02020603050405020304" pitchFamily="18" charset="0"/>
-              <a:cs typeface="Times New Roman" panose="02020603050405020304" pitchFamily="18" charset="0"/>
-            </a:endParaRPr>
-          </a:p>
-          <a:p>
-            <a:r>
-              <a:rPr lang="en-IN" sz="2200" dirty="0" smtClean="0">
-                <a:latin typeface="Times New Roman" panose="02020603050405020304" pitchFamily="18" charset="0"/>
-                <a:cs typeface="Times New Roman" panose="02020603050405020304" pitchFamily="18" charset="0"/>
-              </a:rPr>
-              <a:t>Model Generated using CNN</a:t>
-            </a:r>
-          </a:p>
-          <a:p>
-            <a:r>
-              <a:rPr lang="en-IN" sz="2200" dirty="0" smtClean="0">
-                <a:latin typeface="Times New Roman" panose="02020603050405020304" pitchFamily="18" charset="0"/>
-                <a:cs typeface="Times New Roman" panose="02020603050405020304" pitchFamily="18" charset="0"/>
-              </a:rPr>
-              <a:t>Built LSTM model for </a:t>
-            </a:r>
-            <a:r>
-              <a:rPr lang="en-IN" sz="2200" dirty="0">
-                <a:latin typeface="Times New Roman" panose="02020603050405020304" pitchFamily="18" charset="0"/>
-                <a:cs typeface="Times New Roman" panose="02020603050405020304" pitchFamily="18" charset="0"/>
-              </a:rPr>
-              <a:t>C</a:t>
-            </a:r>
-            <a:r>
-              <a:rPr lang="en-IN" sz="2200" dirty="0" smtClean="0">
-                <a:latin typeface="Times New Roman" panose="02020603050405020304" pitchFamily="18" charset="0"/>
-                <a:cs typeface="Times New Roman" panose="02020603050405020304" pitchFamily="18" charset="0"/>
-              </a:rPr>
-              <a:t>aption Generation</a:t>
-            </a:r>
-          </a:p>
-          <a:p>
-            <a:r>
-              <a:rPr lang="en-IN" sz="2200" dirty="0" smtClean="0">
-                <a:latin typeface="Times New Roman" panose="02020603050405020304" pitchFamily="18" charset="0"/>
-                <a:cs typeface="Times New Roman" panose="02020603050405020304" pitchFamily="18" charset="0"/>
-              </a:rPr>
-              <a:t>Validated the model using BLEU Score</a:t>
-            </a:r>
-          </a:p>
-          <a:p>
-            <a:r>
-              <a:rPr lang="en-IN" sz="2200" dirty="0" smtClean="0">
-                <a:latin typeface="Times New Roman" panose="02020603050405020304" pitchFamily="18" charset="0"/>
-                <a:cs typeface="Times New Roman" panose="02020603050405020304" pitchFamily="18" charset="0"/>
-              </a:rPr>
-              <a:t>Deployed the ML Model into the web application</a:t>
-            </a:r>
-          </a:p>
-          <a:p>
-            <a:endParaRPr lang="en-IN" sz="2200" dirty="0" smtClean="0">
-              <a:latin typeface="Times New Roman" panose="02020603050405020304" pitchFamily="18" charset="0"/>
-              <a:cs typeface="Times New Roman" panose="02020603050405020304" pitchFamily="18" charset="0"/>
-            </a:endParaRPr>
-          </a:p>
-          <a:p>
-            <a:endParaRPr lang="en-IN" sz="2200" dirty="0">
-              <a:latin typeface="Times New Roman" panose="02020603050405020304" pitchFamily="18" charset="0"/>
-              <a:cs typeface="Times New Roman" panose="02020603050405020304" pitchFamily="18" charset="0"/>
-            </a:endParaRPr>
-          </a:p>
         </p:txBody>
       </p:sp>
     </p:spTree>
     <p:extLst>
       <p:ext uri="{BB962C8B-B14F-4D97-AF65-F5344CB8AC3E}">
-        <p14:creationId xmlns:p14="http://schemas.microsoft.com/office/powerpoint/2010/main" val="3903625447"/>
+        <p14:creationId xmlns:p14="http://schemas.microsoft.com/office/powerpoint/2010/main" val="1012161774"/>
       </p:ext>
     </p:extLst>
   </p:cSld>
@@ -5843,7 +6154,7 @@
 </p:sld>
 </file>
 
-<file path=ppt/slides/slide17.xml><?xml version="1.0" encoding="utf-8"?>
+<file path=ppt/slides/slide19.xml><?xml version="1.0" encoding="utf-8"?>
 <p:sld xmlns:a="http://schemas.openxmlformats.org/drawingml/2006/main" xmlns:r="http://schemas.openxmlformats.org/officeDocument/2006/relationships" xmlns:p="http://schemas.openxmlformats.org/presentationml/2006/main">
   <p:cSld>
     <p:spTree>
@@ -5860,55 +6171,92 @@
           <a:chExt cx="0" cy="0"/>
         </a:xfrm>
       </p:grpSpPr>
-      <p:sp>
-        <p:nvSpPr>
-          <p:cNvPr id="4" name="Rectangle 3"/>
-          <p:cNvSpPr/>
+      <p:pic>
+        <p:nvPicPr>
+          <p:cNvPr id="5" name="Content Placeholder 4"/>
+          <p:cNvPicPr>
+            <a:picLocks noGrp="1" noChangeAspect="1"/>
+          </p:cNvPicPr>
+          <p:nvPr>
+            <p:ph idx="1"/>
+          </p:nvPr>
+        </p:nvPicPr>
+        <p:blipFill>
+          <a:blip r:embed="rId2">
+            <a:extLst>
+              <a:ext uri="{28A0092B-C50C-407E-A947-70E740481C1C}">
+                <a14:useLocalDpi xmlns:a14="http://schemas.microsoft.com/office/drawing/2010/main" val="0"/>
+              </a:ext>
+            </a:extLst>
+          </a:blip>
+          <a:stretch>
+            <a:fillRect/>
+          </a:stretch>
+        </p:blipFill>
+        <p:spPr>
+          <a:xfrm>
+            <a:off x="3618296" y="1071154"/>
+            <a:ext cx="4961497" cy="5633776"/>
+          </a:xfrm>
+        </p:spPr>
+      </p:pic>
+      <p:sp>
+        <p:nvSpPr>
+          <p:cNvPr id="4" name="Title 1"/>
+          <p:cNvSpPr txBox="1">
+            <a:spLocks/>
+          </p:cNvSpPr>
           <p:nvPr/>
         </p:nvSpPr>
         <p:spPr>
-          <a:xfrm rot="20187595">
-            <a:off x="3967887" y="2967335"/>
-            <a:ext cx="4256230" cy="923330"/>
+          <a:xfrm>
+            <a:off x="2154230" y="130626"/>
+            <a:ext cx="7889631" cy="777970"/>
           </a:xfrm>
           <a:prstGeom prst="rect">
             <a:avLst/>
           </a:prstGeom>
-          <a:noFill/>
         </p:spPr>
         <p:txBody>
-          <a:bodyPr wrap="none" lIns="91440" tIns="45720" rIns="91440" bIns="45720">
-            <a:spAutoFit/>
+          <a:bodyPr vert="horz" lIns="91440" tIns="45720" rIns="91440" bIns="45720" rtlCol="0" anchor="ctr">
+            <a:normAutofit/>
           </a:bodyPr>
-          <a:lstStyle/>
+          <a:lstStyle>
+            <a:lvl1pPr algn="l" defTabSz="914400" rtl="0" eaLnBrk="1" latinLnBrk="0" hangingPunct="1">
+              <a:lnSpc>
+                <a:spcPct val="90000"/>
+              </a:lnSpc>
+              <a:spcBef>
+                <a:spcPct val="0"/>
+              </a:spcBef>
+              <a:buNone/>
+              <a:defRPr sz="5400" kern="1200" cap="all" baseline="0">
+                <a:blipFill>
+                  <a:blip r:embed="rId3">
+                    <a:extLst>
+                      <a:ext uri="{28A0092B-C50C-407E-A947-70E740481C1C}">
+                        <a14:useLocalDpi xmlns:a14="http://schemas.microsoft.com/office/drawing/2010/main" val="0"/>
+                      </a:ext>
+                    </a:extLst>
+                  </a:blip>
+                  <a:tile tx="6350" ty="-127000" sx="65000" sy="64000" flip="none" algn="tl"/>
+                </a:blipFill>
+                <a:latin typeface="+mj-lt"/>
+                <a:ea typeface="+mj-ea"/>
+                <a:cs typeface="+mj-cs"/>
+              </a:defRPr>
+            </a:lvl1pPr>
+          </a:lstStyle>
           <a:p>
             <a:pPr algn="ctr"/>
             <a:r>
-              <a:rPr lang="en-US" sz="5400" b="0" cap="none" spc="0" dirty="0" smtClean="0">
-                <a:ln w="0"/>
-                <a:solidFill>
-                  <a:schemeClr val="accent1">
-                    <a:lumMod val="75000"/>
-                  </a:schemeClr>
-                </a:solidFill>
-                <a:effectLst>
-                  <a:reflection blurRad="6350" stA="53000" endA="300" endPos="35500" dir="5400000" sy="-90000" algn="bl" rotWithShape="0"/>
-                </a:effectLst>
-                <a:latin typeface="Times New Roman" panose="02020603050405020304" pitchFamily="18" charset="0"/>
-                <a:cs typeface="Times New Roman" panose="02020603050405020304" pitchFamily="18" charset="0"/>
-              </a:rPr>
-              <a:t>THANK YOU</a:t>
-            </a:r>
-            <a:endParaRPr lang="en-US" sz="5400" b="0" cap="none" spc="0" dirty="0">
-              <a:ln w="0"/>
-              <a:solidFill>
-                <a:schemeClr val="accent1">
-                  <a:lumMod val="75000"/>
-                </a:schemeClr>
-              </a:solidFill>
-              <a:effectLst>
-                <a:reflection blurRad="6350" stA="53000" endA="300" endPos="35500" dir="5400000" sy="-90000" algn="bl" rotWithShape="0"/>
-              </a:effectLst>
+              <a:rPr lang="en-IN" sz="3200" b="1" dirty="0" smtClean="0">
+                <a:latin typeface="Times New Roman" panose="02020603050405020304" pitchFamily="18" charset="0"/>
+                <a:cs typeface="Times New Roman" panose="02020603050405020304" pitchFamily="18" charset="0"/>
+              </a:rPr>
+              <a:t>Process Flow Diagram</a:t>
+            </a:r>
+            <a:endParaRPr lang="en-IN" sz="3200" b="1" dirty="0">
               <a:latin typeface="Times New Roman" panose="02020603050405020304" pitchFamily="18" charset="0"/>
               <a:cs typeface="Times New Roman" panose="02020603050405020304" pitchFamily="18" charset="0"/>
             </a:endParaRPr>
@@ -5918,7 +6266,7 @@
     </p:spTree>
     <p:extLst>
       <p:ext uri="{BB962C8B-B14F-4D97-AF65-F5344CB8AC3E}">
-        <p14:creationId xmlns:p14="http://schemas.microsoft.com/office/powerpoint/2010/main" val="1360202717"/>
+        <p14:creationId xmlns:p14="http://schemas.microsoft.com/office/powerpoint/2010/main" val="824615902"/>
       </p:ext>
     </p:extLst>
   </p:cSld>
@@ -5937,13 +6285,6 @@
       </p:transition>
     </mc:Fallback>
   </mc:AlternateContent>
-  <p:timing>
-    <p:tnLst>
-      <p:par>
-        <p:cTn id="1" dur="indefinite" restart="never" nodeType="tmRoot"/>
-      </p:par>
-    </p:tnLst>
-  </p:timing>
 </p:sld>
 </file>
 
@@ -6158,6 +6499,776 @@
 </p:sld>
 </file>
 
+<file path=ppt/slides/slide20.xml><?xml version="1.0" encoding="utf-8"?>
+<p:sld xmlns:a="http://schemas.openxmlformats.org/drawingml/2006/main" xmlns:r="http://schemas.openxmlformats.org/officeDocument/2006/relationships" xmlns:p="http://schemas.openxmlformats.org/presentationml/2006/main">
+  <p:cSld>
+    <p:spTree>
+      <p:nvGrpSpPr>
+        <p:cNvPr id="1" name=""/>
+        <p:cNvGrpSpPr/>
+        <p:nvPr/>
+      </p:nvGrpSpPr>
+      <p:grpSpPr>
+        <a:xfrm>
+          <a:off x="0" y="0"/>
+          <a:ext cx="0" cy="0"/>
+          <a:chOff x="0" y="0"/>
+          <a:chExt cx="0" cy="0"/>
+        </a:xfrm>
+      </p:grpSpPr>
+      <p:pic>
+        <p:nvPicPr>
+          <p:cNvPr id="6" name="Content Placeholder 5"/>
+          <p:cNvPicPr>
+            <a:picLocks noGrp="1" noChangeAspect="1"/>
+          </p:cNvPicPr>
+          <p:nvPr>
+            <p:ph idx="1"/>
+          </p:nvPr>
+        </p:nvPicPr>
+        <p:blipFill>
+          <a:blip r:embed="rId2">
+            <a:extLst>
+              <a:ext uri="{28A0092B-C50C-407E-A947-70E740481C1C}">
+                <a14:useLocalDpi xmlns:a14="http://schemas.microsoft.com/office/drawing/2010/main" val="0"/>
+              </a:ext>
+            </a:extLst>
+          </a:blip>
+          <a:stretch>
+            <a:fillRect/>
+          </a:stretch>
+        </p:blipFill>
+        <p:spPr>
+          <a:xfrm>
+            <a:off x="1914166" y="1553031"/>
+            <a:ext cx="8369761" cy="4707990"/>
+          </a:xfrm>
+        </p:spPr>
+      </p:pic>
+      <p:sp>
+        <p:nvSpPr>
+          <p:cNvPr id="4" name="Title 1"/>
+          <p:cNvSpPr>
+            <a:spLocks noGrp="1"/>
+          </p:cNvSpPr>
+          <p:nvPr>
+            <p:ph type="title"/>
+          </p:nvPr>
+        </p:nvSpPr>
+        <p:spPr>
+          <a:xfrm>
+            <a:off x="2154232" y="98693"/>
+            <a:ext cx="7889631" cy="777970"/>
+          </a:xfrm>
+        </p:spPr>
+        <p:txBody>
+          <a:bodyPr>
+            <a:normAutofit/>
+          </a:bodyPr>
+          <a:lstStyle/>
+          <a:p>
+            <a:pPr algn="ctr"/>
+            <a:r>
+              <a:rPr lang="en-IN" sz="3600" b="1" dirty="0" smtClean="0">
+                <a:latin typeface="Times New Roman" panose="02020603050405020304" pitchFamily="18" charset="0"/>
+                <a:cs typeface="Times New Roman" panose="02020603050405020304" pitchFamily="18" charset="0"/>
+              </a:rPr>
+              <a:t>IMPLEMENTATION</a:t>
+            </a:r>
+            <a:endParaRPr lang="en-IN" sz="3600" b="1" dirty="0">
+              <a:latin typeface="Times New Roman" panose="02020603050405020304" pitchFamily="18" charset="0"/>
+              <a:cs typeface="Times New Roman" panose="02020603050405020304" pitchFamily="18" charset="0"/>
+            </a:endParaRPr>
+          </a:p>
+        </p:txBody>
+      </p:sp>
+      <p:sp>
+        <p:nvSpPr>
+          <p:cNvPr id="5" name="Title 1"/>
+          <p:cNvSpPr txBox="1">
+            <a:spLocks/>
+          </p:cNvSpPr>
+          <p:nvPr/>
+        </p:nvSpPr>
+        <p:spPr>
+          <a:xfrm>
+            <a:off x="2154232" y="696684"/>
+            <a:ext cx="7889631" cy="777970"/>
+          </a:xfrm>
+          <a:prstGeom prst="rect">
+            <a:avLst/>
+          </a:prstGeom>
+        </p:spPr>
+        <p:txBody>
+          <a:bodyPr vert="horz" lIns="91440" tIns="45720" rIns="91440" bIns="45720" rtlCol="0" anchor="ctr">
+            <a:normAutofit/>
+          </a:bodyPr>
+          <a:lstStyle>
+            <a:lvl1pPr algn="l" defTabSz="914400" rtl="0" eaLnBrk="1" latinLnBrk="0" hangingPunct="1">
+              <a:lnSpc>
+                <a:spcPct val="90000"/>
+              </a:lnSpc>
+              <a:spcBef>
+                <a:spcPct val="0"/>
+              </a:spcBef>
+              <a:buNone/>
+              <a:defRPr sz="5400" kern="1200" cap="all" baseline="0">
+                <a:blipFill>
+                  <a:blip r:embed="rId3">
+                    <a:extLst>
+                      <a:ext uri="{28A0092B-C50C-407E-A947-70E740481C1C}">
+                        <a14:useLocalDpi xmlns:a14="http://schemas.microsoft.com/office/drawing/2010/main" val="0"/>
+                      </a:ext>
+                    </a:extLst>
+                  </a:blip>
+                  <a:tile tx="6350" ty="-127000" sx="65000" sy="64000" flip="none" algn="tl"/>
+                </a:blipFill>
+                <a:latin typeface="+mj-lt"/>
+                <a:ea typeface="+mj-ea"/>
+                <a:cs typeface="+mj-cs"/>
+              </a:defRPr>
+            </a:lvl1pPr>
+          </a:lstStyle>
+          <a:p>
+            <a:pPr algn="ctr"/>
+            <a:r>
+              <a:rPr lang="en-IN" sz="3200" b="1" dirty="0" smtClean="0">
+                <a:latin typeface="Times New Roman" panose="02020603050405020304" pitchFamily="18" charset="0"/>
+                <a:cs typeface="Times New Roman" panose="02020603050405020304" pitchFamily="18" charset="0"/>
+              </a:rPr>
+              <a:t>HOMEPAGE</a:t>
+            </a:r>
+            <a:endParaRPr lang="en-IN" sz="3200" b="1" dirty="0">
+              <a:latin typeface="Times New Roman" panose="02020603050405020304" pitchFamily="18" charset="0"/>
+              <a:cs typeface="Times New Roman" panose="02020603050405020304" pitchFamily="18" charset="0"/>
+            </a:endParaRPr>
+          </a:p>
+        </p:txBody>
+      </p:sp>
+    </p:spTree>
+    <p:extLst>
+      <p:ext uri="{BB962C8B-B14F-4D97-AF65-F5344CB8AC3E}">
+        <p14:creationId xmlns:p14="http://schemas.microsoft.com/office/powerpoint/2010/main" val="693826567"/>
+      </p:ext>
+    </p:extLst>
+  </p:cSld>
+  <p:clrMapOvr>
+    <a:masterClrMapping/>
+  </p:clrMapOvr>
+  <mc:AlternateContent xmlns:mc="http://schemas.openxmlformats.org/markup-compatibility/2006" xmlns:p14="http://schemas.microsoft.com/office/powerpoint/2010/main">
+    <mc:Choice Requires="p14">
+      <p:transition spd="slow" p14:dur="1500">
+        <p:random/>
+      </p:transition>
+    </mc:Choice>
+    <mc:Fallback xmlns="">
+      <p:transition spd="slow">
+        <p:random/>
+      </p:transition>
+    </mc:Fallback>
+  </mc:AlternateContent>
+</p:sld>
+</file>
+
+<file path=ppt/slides/slide21.xml><?xml version="1.0" encoding="utf-8"?>
+<p:sld xmlns:a="http://schemas.openxmlformats.org/drawingml/2006/main" xmlns:r="http://schemas.openxmlformats.org/officeDocument/2006/relationships" xmlns:p="http://schemas.openxmlformats.org/presentationml/2006/main">
+  <p:cSld>
+    <p:spTree>
+      <p:nvGrpSpPr>
+        <p:cNvPr id="1" name=""/>
+        <p:cNvGrpSpPr/>
+        <p:nvPr/>
+      </p:nvGrpSpPr>
+      <p:grpSpPr>
+        <a:xfrm>
+          <a:off x="0" y="0"/>
+          <a:ext cx="0" cy="0"/>
+          <a:chOff x="0" y="0"/>
+          <a:chExt cx="0" cy="0"/>
+        </a:xfrm>
+      </p:grpSpPr>
+      <p:pic>
+        <p:nvPicPr>
+          <p:cNvPr id="4" name="Content Placeholder 3"/>
+          <p:cNvPicPr>
+            <a:picLocks noGrp="1" noChangeAspect="1"/>
+          </p:cNvPicPr>
+          <p:nvPr>
+            <p:ph idx="1"/>
+          </p:nvPr>
+        </p:nvPicPr>
+        <p:blipFill>
+          <a:blip r:embed="rId2">
+            <a:extLst>
+              <a:ext uri="{28A0092B-C50C-407E-A947-70E740481C1C}">
+                <a14:useLocalDpi xmlns:a14="http://schemas.microsoft.com/office/drawing/2010/main" val="0"/>
+              </a:ext>
+            </a:extLst>
+          </a:blip>
+          <a:stretch>
+            <a:fillRect/>
+          </a:stretch>
+        </p:blipFill>
+        <p:spPr>
+          <a:xfrm>
+            <a:off x="2071888" y="1445623"/>
+            <a:ext cx="8054318" cy="4530554"/>
+          </a:xfrm>
+        </p:spPr>
+      </p:pic>
+      <p:sp>
+        <p:nvSpPr>
+          <p:cNvPr id="5" name="Title 1"/>
+          <p:cNvSpPr txBox="1">
+            <a:spLocks/>
+          </p:cNvSpPr>
+          <p:nvPr/>
+        </p:nvSpPr>
+        <p:spPr>
+          <a:xfrm>
+            <a:off x="2154232" y="330923"/>
+            <a:ext cx="7889631" cy="777970"/>
+          </a:xfrm>
+          <a:prstGeom prst="rect">
+            <a:avLst/>
+          </a:prstGeom>
+        </p:spPr>
+        <p:txBody>
+          <a:bodyPr vert="horz" lIns="91440" tIns="45720" rIns="91440" bIns="45720" rtlCol="0" anchor="ctr">
+            <a:normAutofit/>
+          </a:bodyPr>
+          <a:lstStyle>
+            <a:lvl1pPr algn="l" defTabSz="914400" rtl="0" eaLnBrk="1" latinLnBrk="0" hangingPunct="1">
+              <a:lnSpc>
+                <a:spcPct val="90000"/>
+              </a:lnSpc>
+              <a:spcBef>
+                <a:spcPct val="0"/>
+              </a:spcBef>
+              <a:buNone/>
+              <a:defRPr sz="5400" kern="1200" cap="all" baseline="0">
+                <a:blipFill>
+                  <a:blip r:embed="rId3">
+                    <a:extLst>
+                      <a:ext uri="{28A0092B-C50C-407E-A947-70E740481C1C}">
+                        <a14:useLocalDpi xmlns:a14="http://schemas.microsoft.com/office/drawing/2010/main" val="0"/>
+                      </a:ext>
+                    </a:extLst>
+                  </a:blip>
+                  <a:tile tx="6350" ty="-127000" sx="65000" sy="64000" flip="none" algn="tl"/>
+                </a:blipFill>
+                <a:latin typeface="+mj-lt"/>
+                <a:ea typeface="+mj-ea"/>
+                <a:cs typeface="+mj-cs"/>
+              </a:defRPr>
+            </a:lvl1pPr>
+          </a:lstStyle>
+          <a:p>
+            <a:pPr algn="ctr"/>
+            <a:r>
+              <a:rPr lang="en-IN" sz="3200" b="1" dirty="0" smtClean="0">
+                <a:latin typeface="Times New Roman" panose="02020603050405020304" pitchFamily="18" charset="0"/>
+                <a:cs typeface="Times New Roman" panose="02020603050405020304" pitchFamily="18" charset="0"/>
+              </a:rPr>
+              <a:t>RESULT</a:t>
+            </a:r>
+            <a:endParaRPr lang="en-IN" sz="3200" b="1" dirty="0">
+              <a:latin typeface="Times New Roman" panose="02020603050405020304" pitchFamily="18" charset="0"/>
+              <a:cs typeface="Times New Roman" panose="02020603050405020304" pitchFamily="18" charset="0"/>
+            </a:endParaRPr>
+          </a:p>
+        </p:txBody>
+      </p:sp>
+    </p:spTree>
+    <p:extLst>
+      <p:ext uri="{BB962C8B-B14F-4D97-AF65-F5344CB8AC3E}">
+        <p14:creationId xmlns:p14="http://schemas.microsoft.com/office/powerpoint/2010/main" val="118446455"/>
+      </p:ext>
+    </p:extLst>
+  </p:cSld>
+  <p:clrMapOvr>
+    <a:masterClrMapping/>
+  </p:clrMapOvr>
+  <mc:AlternateContent xmlns:mc="http://schemas.openxmlformats.org/markup-compatibility/2006" xmlns:p14="http://schemas.microsoft.com/office/powerpoint/2010/main">
+    <mc:Choice Requires="p14">
+      <p:transition spd="slow" p14:dur="1500">
+        <p:random/>
+      </p:transition>
+    </mc:Choice>
+    <mc:Fallback xmlns="">
+      <p:transition spd="slow">
+        <p:random/>
+      </p:transition>
+    </mc:Fallback>
+  </mc:AlternateContent>
+</p:sld>
+</file>
+
+<file path=ppt/slides/slide22.xml><?xml version="1.0" encoding="utf-8"?>
+<p:sld xmlns:a="http://schemas.openxmlformats.org/drawingml/2006/main" xmlns:r="http://schemas.openxmlformats.org/officeDocument/2006/relationships" xmlns:p="http://schemas.openxmlformats.org/presentationml/2006/main">
+  <p:cSld>
+    <p:spTree>
+      <p:nvGrpSpPr>
+        <p:cNvPr id="1" name=""/>
+        <p:cNvGrpSpPr/>
+        <p:nvPr/>
+      </p:nvGrpSpPr>
+      <p:grpSpPr>
+        <a:xfrm>
+          <a:off x="0" y="0"/>
+          <a:ext cx="0" cy="0"/>
+          <a:chOff x="0" y="0"/>
+          <a:chExt cx="0" cy="0"/>
+        </a:xfrm>
+      </p:grpSpPr>
+      <p:sp>
+        <p:nvSpPr>
+          <p:cNvPr id="3" name="Content Placeholder 2"/>
+          <p:cNvSpPr>
+            <a:spLocks noGrp="1"/>
+          </p:cNvSpPr>
+          <p:nvPr>
+            <p:ph idx="1"/>
+          </p:nvPr>
+        </p:nvSpPr>
+        <p:spPr>
+          <a:xfrm>
+            <a:off x="1069847" y="2034322"/>
+            <a:ext cx="10058400" cy="1396855"/>
+          </a:xfrm>
+        </p:spPr>
+        <p:txBody>
+          <a:bodyPr>
+            <a:normAutofit/>
+          </a:bodyPr>
+          <a:lstStyle/>
+          <a:p>
+            <a:r>
+              <a:rPr lang="en-IN" sz="2400" dirty="0" smtClean="0">
+                <a:latin typeface="Times New Roman" panose="02020603050405020304" pitchFamily="18" charset="0"/>
+                <a:cs typeface="Times New Roman" panose="02020603050405020304" pitchFamily="18" charset="0"/>
+              </a:rPr>
+              <a:t>If the caption is converted to speech it will be helpful for the visually impaired person </a:t>
+            </a:r>
+          </a:p>
+          <a:p>
+            <a:r>
+              <a:rPr lang="en-IN" sz="2400" dirty="0" smtClean="0">
+                <a:latin typeface="Times New Roman" panose="02020603050405020304" pitchFamily="18" charset="0"/>
+                <a:cs typeface="Times New Roman" panose="02020603050405020304" pitchFamily="18" charset="0"/>
+              </a:rPr>
+              <a:t>Auto subtitling</a:t>
+            </a:r>
+          </a:p>
+        </p:txBody>
+      </p:sp>
+      <p:sp>
+        <p:nvSpPr>
+          <p:cNvPr id="4" name="Title 1"/>
+          <p:cNvSpPr>
+            <a:spLocks noGrp="1"/>
+          </p:cNvSpPr>
+          <p:nvPr>
+            <p:ph type="title"/>
+          </p:nvPr>
+        </p:nvSpPr>
+        <p:spPr>
+          <a:xfrm>
+            <a:off x="1839793" y="319170"/>
+            <a:ext cx="8518507" cy="900031"/>
+          </a:xfrm>
+        </p:spPr>
+        <p:txBody>
+          <a:bodyPr>
+            <a:noAutofit/>
+          </a:bodyPr>
+          <a:lstStyle/>
+          <a:p>
+            <a:pPr algn="ctr"/>
+            <a:r>
+              <a:rPr lang="en-IN" sz="3600" b="1" dirty="0" smtClean="0">
+                <a:latin typeface="Times New Roman" panose="02020603050405020304" pitchFamily="18" charset="0"/>
+                <a:cs typeface="Times New Roman" panose="02020603050405020304" pitchFamily="18" charset="0"/>
+              </a:rPr>
+              <a:t>APPLICATION IN THE REAL WORLD</a:t>
+            </a:r>
+            <a:endParaRPr lang="en-IN" sz="3600" dirty="0">
+              <a:latin typeface="Times New Roman" panose="02020603050405020304" pitchFamily="18" charset="0"/>
+              <a:cs typeface="Times New Roman" panose="02020603050405020304" pitchFamily="18" charset="0"/>
+            </a:endParaRPr>
+          </a:p>
+        </p:txBody>
+      </p:sp>
+    </p:spTree>
+    <p:extLst>
+      <p:ext uri="{BB962C8B-B14F-4D97-AF65-F5344CB8AC3E}">
+        <p14:creationId xmlns:p14="http://schemas.microsoft.com/office/powerpoint/2010/main" val="1481163272"/>
+      </p:ext>
+    </p:extLst>
+  </p:cSld>
+  <p:clrMapOvr>
+    <a:masterClrMapping/>
+  </p:clrMapOvr>
+  <mc:AlternateContent xmlns:mc="http://schemas.openxmlformats.org/markup-compatibility/2006" xmlns:p14="http://schemas.microsoft.com/office/powerpoint/2010/main">
+    <mc:Choice Requires="p14">
+      <p:transition spd="slow" p14:dur="1500">
+        <p:random/>
+      </p:transition>
+    </mc:Choice>
+    <mc:Fallback xmlns="">
+      <p:transition spd="slow">
+        <p:random/>
+      </p:transition>
+    </mc:Fallback>
+  </mc:AlternateContent>
+  <p:timing>
+    <p:tnLst>
+      <p:par>
+        <p:cTn id="1" dur="indefinite" restart="never" nodeType="tmRoot"/>
+      </p:par>
+    </p:tnLst>
+  </p:timing>
+</p:sld>
+</file>
+
+<file path=ppt/slides/slide23.xml><?xml version="1.0" encoding="utf-8"?>
+<p:sld xmlns:a="http://schemas.openxmlformats.org/drawingml/2006/main" xmlns:r="http://schemas.openxmlformats.org/officeDocument/2006/relationships" xmlns:p="http://schemas.openxmlformats.org/presentationml/2006/main">
+  <p:cSld>
+    <p:spTree>
+      <p:nvGrpSpPr>
+        <p:cNvPr id="1" name=""/>
+        <p:cNvGrpSpPr/>
+        <p:nvPr/>
+      </p:nvGrpSpPr>
+      <p:grpSpPr>
+        <a:xfrm>
+          <a:off x="0" y="0"/>
+          <a:ext cx="0" cy="0"/>
+          <a:chOff x="0" y="0"/>
+          <a:chExt cx="0" cy="0"/>
+        </a:xfrm>
+      </p:grpSpPr>
+      <p:sp>
+        <p:nvSpPr>
+          <p:cNvPr id="2" name="Title 1"/>
+          <p:cNvSpPr>
+            <a:spLocks noGrp="1"/>
+          </p:cNvSpPr>
+          <p:nvPr>
+            <p:ph type="title"/>
+          </p:nvPr>
+        </p:nvSpPr>
+        <p:spPr>
+          <a:xfrm>
+            <a:off x="4197532" y="179832"/>
+            <a:ext cx="3421162" cy="673608"/>
+          </a:xfrm>
+        </p:spPr>
+        <p:txBody>
+          <a:bodyPr>
+            <a:normAutofit/>
+          </a:bodyPr>
+          <a:lstStyle/>
+          <a:p>
+            <a:pPr algn="ctr"/>
+            <a:r>
+              <a:rPr lang="en-IN" sz="3600" b="1" dirty="0" smtClean="0">
+                <a:latin typeface="Times New Roman" panose="02020603050405020304" pitchFamily="18" charset="0"/>
+                <a:cs typeface="Times New Roman" panose="02020603050405020304" pitchFamily="18" charset="0"/>
+              </a:rPr>
+              <a:t>Progress</a:t>
+            </a:r>
+            <a:endParaRPr lang="en-IN" sz="3600" b="1" dirty="0">
+              <a:latin typeface="Times New Roman" panose="02020603050405020304" pitchFamily="18" charset="0"/>
+              <a:cs typeface="Times New Roman" panose="02020603050405020304" pitchFamily="18" charset="0"/>
+            </a:endParaRPr>
+          </a:p>
+        </p:txBody>
+      </p:sp>
+      <p:sp>
+        <p:nvSpPr>
+          <p:cNvPr id="3" name="Content Placeholder 2"/>
+          <p:cNvSpPr>
+            <a:spLocks noGrp="1"/>
+          </p:cNvSpPr>
+          <p:nvPr>
+            <p:ph idx="1"/>
+          </p:nvPr>
+        </p:nvSpPr>
+        <p:spPr>
+          <a:xfrm>
+            <a:off x="878913" y="1201783"/>
+            <a:ext cx="10058400" cy="5033553"/>
+          </a:xfrm>
+        </p:spPr>
+        <p:txBody>
+          <a:bodyPr>
+            <a:normAutofit/>
+          </a:bodyPr>
+          <a:lstStyle/>
+          <a:p>
+            <a:r>
+              <a:rPr lang="en-IN" sz="2200" dirty="0" smtClean="0">
+                <a:latin typeface="Times New Roman" panose="02020603050405020304" pitchFamily="18" charset="0"/>
+                <a:cs typeface="Times New Roman" panose="02020603050405020304" pitchFamily="18" charset="0"/>
+              </a:rPr>
+              <a:t>Data Gathering</a:t>
+            </a:r>
+          </a:p>
+          <a:p>
+            <a:pPr lvl="1"/>
+            <a:r>
+              <a:rPr lang="en-IN" sz="2200" b="1" dirty="0">
+                <a:latin typeface="Times New Roman" panose="02020603050405020304" pitchFamily="18" charset="0"/>
+                <a:cs typeface="Times New Roman" panose="02020603050405020304" pitchFamily="18" charset="0"/>
+              </a:rPr>
+              <a:t>Flickr_8K dataset – </a:t>
+            </a:r>
+            <a:r>
+              <a:rPr lang="en-IN" sz="2200" dirty="0">
+                <a:latin typeface="Times New Roman" panose="02020603050405020304" pitchFamily="18" charset="0"/>
+                <a:cs typeface="Times New Roman" panose="02020603050405020304" pitchFamily="18" charset="0"/>
+              </a:rPr>
+              <a:t>For this project, Flickr_8K dataset is being used as other big datasets like Flickr_30K and MSCOCO datasets can take weeks just to train the network.</a:t>
+            </a:r>
+            <a:endParaRPr lang="en-IN" sz="2200" b="1" dirty="0">
+              <a:latin typeface="Times New Roman" panose="02020603050405020304" pitchFamily="18" charset="0"/>
+              <a:cs typeface="Times New Roman" panose="02020603050405020304" pitchFamily="18" charset="0"/>
+            </a:endParaRPr>
+          </a:p>
+          <a:p>
+            <a:r>
+              <a:rPr lang="en-IN" sz="2200" dirty="0" smtClean="0">
+                <a:latin typeface="Times New Roman" panose="02020603050405020304" pitchFamily="18" charset="0"/>
+                <a:cs typeface="Times New Roman" panose="02020603050405020304" pitchFamily="18" charset="0"/>
+              </a:rPr>
+              <a:t>Web user interface created</a:t>
+            </a:r>
+          </a:p>
+          <a:p>
+            <a:r>
+              <a:rPr lang="en-IN" sz="2200" dirty="0" smtClean="0">
+                <a:latin typeface="Times New Roman" panose="02020603050405020304" pitchFamily="18" charset="0"/>
+                <a:cs typeface="Times New Roman" panose="02020603050405020304" pitchFamily="18" charset="0"/>
+              </a:rPr>
+              <a:t>Pre-processing done</a:t>
+            </a:r>
+          </a:p>
+          <a:p>
+            <a:r>
+              <a:rPr lang="en-IN" sz="2200" dirty="0" smtClean="0">
+                <a:latin typeface="Times New Roman" panose="02020603050405020304" pitchFamily="18" charset="0"/>
+                <a:cs typeface="Times New Roman" panose="02020603050405020304" pitchFamily="18" charset="0"/>
+              </a:rPr>
+              <a:t>Features extracted from images</a:t>
+            </a:r>
+          </a:p>
+          <a:p>
+            <a:r>
+              <a:rPr lang="en-IN" sz="2200" smtClean="0">
+                <a:latin typeface="Times New Roman" panose="02020603050405020304" pitchFamily="18" charset="0"/>
+                <a:cs typeface="Times New Roman" panose="02020603050405020304" pitchFamily="18" charset="0"/>
+              </a:rPr>
+              <a:t>Object identification done</a:t>
+            </a:r>
+            <a:endParaRPr lang="en-IN" sz="2200" dirty="0" smtClean="0">
+              <a:latin typeface="Times New Roman" panose="02020603050405020304" pitchFamily="18" charset="0"/>
+              <a:cs typeface="Times New Roman" panose="02020603050405020304" pitchFamily="18" charset="0"/>
+            </a:endParaRPr>
+          </a:p>
+          <a:p>
+            <a:r>
+              <a:rPr lang="en-IN" sz="2200" dirty="0" smtClean="0">
+                <a:latin typeface="Times New Roman" panose="02020603050405020304" pitchFamily="18" charset="0"/>
+                <a:cs typeface="Times New Roman" panose="02020603050405020304" pitchFamily="18" charset="0"/>
+              </a:rPr>
+              <a:t>Model Generated using CNN</a:t>
+            </a:r>
+          </a:p>
+          <a:p>
+            <a:r>
+              <a:rPr lang="en-IN" sz="2200" dirty="0" smtClean="0">
+                <a:latin typeface="Times New Roman" panose="02020603050405020304" pitchFamily="18" charset="0"/>
+                <a:cs typeface="Times New Roman" panose="02020603050405020304" pitchFamily="18" charset="0"/>
+              </a:rPr>
+              <a:t>Built LSTM model for </a:t>
+            </a:r>
+            <a:r>
+              <a:rPr lang="en-IN" sz="2200" dirty="0">
+                <a:latin typeface="Times New Roman" panose="02020603050405020304" pitchFamily="18" charset="0"/>
+                <a:cs typeface="Times New Roman" panose="02020603050405020304" pitchFamily="18" charset="0"/>
+              </a:rPr>
+              <a:t>C</a:t>
+            </a:r>
+            <a:r>
+              <a:rPr lang="en-IN" sz="2200" dirty="0" smtClean="0">
+                <a:latin typeface="Times New Roman" panose="02020603050405020304" pitchFamily="18" charset="0"/>
+                <a:cs typeface="Times New Roman" panose="02020603050405020304" pitchFamily="18" charset="0"/>
+              </a:rPr>
+              <a:t>aption Generation</a:t>
+            </a:r>
+          </a:p>
+          <a:p>
+            <a:r>
+              <a:rPr lang="en-IN" sz="2200" dirty="0" smtClean="0">
+                <a:latin typeface="Times New Roman" panose="02020603050405020304" pitchFamily="18" charset="0"/>
+                <a:cs typeface="Times New Roman" panose="02020603050405020304" pitchFamily="18" charset="0"/>
+              </a:rPr>
+              <a:t>Validated the model using BLEU Score</a:t>
+            </a:r>
+          </a:p>
+          <a:p>
+            <a:r>
+              <a:rPr lang="en-IN" sz="2200" dirty="0" smtClean="0">
+                <a:latin typeface="Times New Roman" panose="02020603050405020304" pitchFamily="18" charset="0"/>
+                <a:cs typeface="Times New Roman" panose="02020603050405020304" pitchFamily="18" charset="0"/>
+              </a:rPr>
+              <a:t>Deployed the ML Model into the web application</a:t>
+            </a:r>
+          </a:p>
+          <a:p>
+            <a:endParaRPr lang="en-IN" sz="2200" dirty="0" smtClean="0">
+              <a:latin typeface="Times New Roman" panose="02020603050405020304" pitchFamily="18" charset="0"/>
+              <a:cs typeface="Times New Roman" panose="02020603050405020304" pitchFamily="18" charset="0"/>
+            </a:endParaRPr>
+          </a:p>
+          <a:p>
+            <a:endParaRPr lang="en-IN" sz="2200" dirty="0">
+              <a:latin typeface="Times New Roman" panose="02020603050405020304" pitchFamily="18" charset="0"/>
+              <a:cs typeface="Times New Roman" panose="02020603050405020304" pitchFamily="18" charset="0"/>
+            </a:endParaRPr>
+          </a:p>
+        </p:txBody>
+      </p:sp>
+    </p:spTree>
+    <p:extLst>
+      <p:ext uri="{BB962C8B-B14F-4D97-AF65-F5344CB8AC3E}">
+        <p14:creationId xmlns:p14="http://schemas.microsoft.com/office/powerpoint/2010/main" val="3903625447"/>
+      </p:ext>
+    </p:extLst>
+  </p:cSld>
+  <p:clrMapOvr>
+    <a:masterClrMapping/>
+  </p:clrMapOvr>
+  <mc:AlternateContent xmlns:mc="http://schemas.openxmlformats.org/markup-compatibility/2006" xmlns:p14="http://schemas.microsoft.com/office/powerpoint/2010/main">
+    <mc:Choice Requires="p14">
+      <p:transition spd="slow" p14:dur="1500">
+        <p:random/>
+      </p:transition>
+    </mc:Choice>
+    <mc:Fallback xmlns="">
+      <p:transition spd="slow">
+        <p:random/>
+      </p:transition>
+    </mc:Fallback>
+  </mc:AlternateContent>
+</p:sld>
+</file>
+
+<file path=ppt/slides/slide24.xml><?xml version="1.0" encoding="utf-8"?>
+<p:sld xmlns:a="http://schemas.openxmlformats.org/drawingml/2006/main" xmlns:r="http://schemas.openxmlformats.org/officeDocument/2006/relationships" xmlns:p="http://schemas.openxmlformats.org/presentationml/2006/main">
+  <p:cSld>
+    <p:spTree>
+      <p:nvGrpSpPr>
+        <p:cNvPr id="1" name=""/>
+        <p:cNvGrpSpPr/>
+        <p:nvPr/>
+      </p:nvGrpSpPr>
+      <p:grpSpPr>
+        <a:xfrm>
+          <a:off x="0" y="0"/>
+          <a:ext cx="0" cy="0"/>
+          <a:chOff x="0" y="0"/>
+          <a:chExt cx="0" cy="0"/>
+        </a:xfrm>
+      </p:grpSpPr>
+      <p:sp>
+        <p:nvSpPr>
+          <p:cNvPr id="4" name="Rectangle 3"/>
+          <p:cNvSpPr/>
+          <p:nvPr/>
+        </p:nvSpPr>
+        <p:spPr>
+          <a:xfrm rot="20187595">
+            <a:off x="3967887" y="2967335"/>
+            <a:ext cx="4256230" cy="923330"/>
+          </a:xfrm>
+          <a:prstGeom prst="rect">
+            <a:avLst/>
+          </a:prstGeom>
+          <a:noFill/>
+        </p:spPr>
+        <p:txBody>
+          <a:bodyPr wrap="none" lIns="91440" tIns="45720" rIns="91440" bIns="45720">
+            <a:spAutoFit/>
+          </a:bodyPr>
+          <a:lstStyle/>
+          <a:p>
+            <a:pPr algn="ctr"/>
+            <a:r>
+              <a:rPr lang="en-US" sz="5400" b="0" cap="none" spc="0" dirty="0" smtClean="0">
+                <a:ln w="0"/>
+                <a:solidFill>
+                  <a:schemeClr val="accent1">
+                    <a:lumMod val="75000"/>
+                  </a:schemeClr>
+                </a:solidFill>
+                <a:effectLst>
+                  <a:reflection blurRad="6350" stA="53000" endA="300" endPos="35500" dir="5400000" sy="-90000" algn="bl" rotWithShape="0"/>
+                </a:effectLst>
+                <a:latin typeface="Times New Roman" panose="02020603050405020304" pitchFamily="18" charset="0"/>
+                <a:cs typeface="Times New Roman" panose="02020603050405020304" pitchFamily="18" charset="0"/>
+              </a:rPr>
+              <a:t>THANK YOU</a:t>
+            </a:r>
+            <a:endParaRPr lang="en-US" sz="5400" b="0" cap="none" spc="0" dirty="0">
+              <a:ln w="0"/>
+              <a:solidFill>
+                <a:schemeClr val="accent1">
+                  <a:lumMod val="75000"/>
+                </a:schemeClr>
+              </a:solidFill>
+              <a:effectLst>
+                <a:reflection blurRad="6350" stA="53000" endA="300" endPos="35500" dir="5400000" sy="-90000" algn="bl" rotWithShape="0"/>
+              </a:effectLst>
+              <a:latin typeface="Times New Roman" panose="02020603050405020304" pitchFamily="18" charset="0"/>
+              <a:cs typeface="Times New Roman" panose="02020603050405020304" pitchFamily="18" charset="0"/>
+            </a:endParaRPr>
+          </a:p>
+        </p:txBody>
+      </p:sp>
+    </p:spTree>
+    <p:extLst>
+      <p:ext uri="{BB962C8B-B14F-4D97-AF65-F5344CB8AC3E}">
+        <p14:creationId xmlns:p14="http://schemas.microsoft.com/office/powerpoint/2010/main" val="1360202717"/>
+      </p:ext>
+    </p:extLst>
+  </p:cSld>
+  <p:clrMapOvr>
+    <a:masterClrMapping/>
+  </p:clrMapOvr>
+  <mc:AlternateContent xmlns:mc="http://schemas.openxmlformats.org/markup-compatibility/2006" xmlns:p14="http://schemas.microsoft.com/office/powerpoint/2010/main">
+    <mc:Choice Requires="p14">
+      <p:transition spd="slow" p14:dur="1500">
+        <p:random/>
+      </p:transition>
+    </mc:Choice>
+    <mc:Fallback xmlns="">
+      <p:transition spd="slow">
+        <p:random/>
+      </p:transition>
+    </mc:Fallback>
+  </mc:AlternateContent>
+  <p:timing>
+    <p:tnLst>
+      <p:par>
+        <p:cTn id="1" dur="indefinite" restart="never" nodeType="tmRoot"/>
+      </p:par>
+    </p:tnLst>
+  </p:timing>
+</p:sld>
+</file>
+
 <file path=ppt/slides/slide3.xml><?xml version="1.0" encoding="utf-8"?>
 <p:sld xmlns:a="http://schemas.openxmlformats.org/drawingml/2006/main" xmlns:r="http://schemas.openxmlformats.org/officeDocument/2006/relationships" xmlns:p="http://schemas.openxmlformats.org/presentationml/2006/main">
   <p:cSld>
@@ -6467,7 +7578,21 @@
                 <a:latin typeface="Times New Roman" panose="02020603050405020304" pitchFamily="18" charset="0"/>
                 <a:cs typeface="Times New Roman" panose="02020603050405020304" pitchFamily="18" charset="0"/>
               </a:rPr>
-              <a:t>It is a ML application which can understand the content of any image.</a:t>
+              <a:t>It is </a:t>
+            </a:r>
+            <a:r>
+              <a:rPr lang="en-IN" sz="2000" dirty="0" smtClean="0">
+                <a:latin typeface="Times New Roman" panose="02020603050405020304" pitchFamily="18" charset="0"/>
+                <a:cs typeface="Times New Roman" panose="02020603050405020304" pitchFamily="18" charset="0"/>
+              </a:rPr>
+              <a:t>an </a:t>
+            </a:r>
+            <a:r>
+              <a:rPr lang="en-IN" sz="2000" dirty="0" smtClean="0">
+                <a:latin typeface="Times New Roman" panose="02020603050405020304" pitchFamily="18" charset="0"/>
+                <a:cs typeface="Times New Roman" panose="02020603050405020304" pitchFamily="18" charset="0"/>
+              </a:rPr>
+              <a:t>ML application which can understand the content of any image.</a:t>
             </a:r>
           </a:p>
           <a:p>
@@ -6704,13 +7829,13 @@
         </p:nvSpPr>
         <p:spPr>
           <a:xfrm>
-            <a:off x="1076550" y="1297577"/>
-            <a:ext cx="10058400" cy="5094515"/>
+            <a:off x="1076550" y="1297578"/>
+            <a:ext cx="10058400" cy="4659086"/>
           </a:xfrm>
         </p:spPr>
         <p:txBody>
           <a:bodyPr>
-            <a:normAutofit fontScale="92500"/>
+            <a:normAutofit lnSpcReduction="10000"/>
           </a:bodyPr>
           <a:lstStyle/>
           <a:p>
@@ -6735,154 +7860,14 @@
                 <a:latin typeface="Times New Roman" panose="02020603050405020304" pitchFamily="18" charset="0"/>
                 <a:cs typeface="Times New Roman" panose="02020603050405020304" pitchFamily="18" charset="0"/>
               </a:rPr>
-              <a:t>Author</a:t>
-            </a:r>
-            <a:r>
-              <a:rPr lang="en-IN" sz="2400" dirty="0" smtClean="0">
-                <a:latin typeface="Times New Roman" panose="02020603050405020304" pitchFamily="18" charset="0"/>
-                <a:cs typeface="Times New Roman" panose="02020603050405020304" pitchFamily="18" charset="0"/>
-              </a:rPr>
-              <a:t>: </a:t>
+              <a:t>Author: </a:t>
             </a:r>
             <a:r>
               <a:rPr lang="en-IN" sz="2400" dirty="0">
                 <a:latin typeface="Times New Roman" panose="02020603050405020304" pitchFamily="18" charset="0"/>
                 <a:cs typeface="Times New Roman" panose="02020603050405020304" pitchFamily="18" charset="0"/>
               </a:rPr>
-              <a:t>Raffaella</a:t>
-            </a:r>
-            <a:r>
-              <a:rPr lang="en-IN" sz="2400" dirty="0">
-                <a:latin typeface="Times New Roman" panose="02020603050405020304" pitchFamily="18" charset="0"/>
-                <a:cs typeface="Times New Roman" panose="02020603050405020304" pitchFamily="18" charset="0"/>
-              </a:rPr>
-              <a:t> </a:t>
-            </a:r>
-            <a:r>
-              <a:rPr lang="en-IN" sz="2400" dirty="0">
-                <a:latin typeface="Times New Roman" panose="02020603050405020304" pitchFamily="18" charset="0"/>
-                <a:cs typeface="Times New Roman" panose="02020603050405020304" pitchFamily="18" charset="0"/>
-              </a:rPr>
-              <a:t>Bernardi</a:t>
-            </a:r>
-            <a:r>
-              <a:rPr lang="en-IN" sz="2400" dirty="0">
-                <a:latin typeface="Times New Roman" panose="02020603050405020304" pitchFamily="18" charset="0"/>
-                <a:cs typeface="Times New Roman" panose="02020603050405020304" pitchFamily="18" charset="0"/>
-              </a:rPr>
-              <a:t>, </a:t>
-            </a:r>
-            <a:r>
-              <a:rPr lang="en-IN" sz="2400" dirty="0">
-                <a:latin typeface="Times New Roman" panose="02020603050405020304" pitchFamily="18" charset="0"/>
-                <a:cs typeface="Times New Roman" panose="02020603050405020304" pitchFamily="18" charset="0"/>
-              </a:rPr>
-              <a:t>Ruket</a:t>
-            </a:r>
-            <a:r>
-              <a:rPr lang="en-IN" sz="2400" dirty="0">
-                <a:latin typeface="Times New Roman" panose="02020603050405020304" pitchFamily="18" charset="0"/>
-                <a:cs typeface="Times New Roman" panose="02020603050405020304" pitchFamily="18" charset="0"/>
-              </a:rPr>
-              <a:t> </a:t>
-            </a:r>
-            <a:r>
-              <a:rPr lang="en-IN" sz="2400" dirty="0">
-                <a:latin typeface="Times New Roman" panose="02020603050405020304" pitchFamily="18" charset="0"/>
-                <a:cs typeface="Times New Roman" panose="02020603050405020304" pitchFamily="18" charset="0"/>
-              </a:rPr>
-              <a:t>Cakici</a:t>
-            </a:r>
-            <a:r>
-              <a:rPr lang="en-IN" sz="2400" dirty="0">
-                <a:latin typeface="Times New Roman" panose="02020603050405020304" pitchFamily="18" charset="0"/>
-                <a:cs typeface="Times New Roman" panose="02020603050405020304" pitchFamily="18" charset="0"/>
-              </a:rPr>
-              <a:t>, Desmond Elliott, </a:t>
-            </a:r>
-            <a:r>
-              <a:rPr lang="en-IN" sz="2400" dirty="0">
-                <a:latin typeface="Times New Roman" panose="02020603050405020304" pitchFamily="18" charset="0"/>
-                <a:cs typeface="Times New Roman" panose="02020603050405020304" pitchFamily="18" charset="0"/>
-              </a:rPr>
-              <a:t>Aykut</a:t>
-            </a:r>
-            <a:r>
-              <a:rPr lang="en-IN" sz="2400" dirty="0">
-                <a:latin typeface="Times New Roman" panose="02020603050405020304" pitchFamily="18" charset="0"/>
-                <a:cs typeface="Times New Roman" panose="02020603050405020304" pitchFamily="18" charset="0"/>
-              </a:rPr>
-              <a:t> </a:t>
-            </a:r>
-            <a:r>
-              <a:rPr lang="en-IN" sz="2400" dirty="0">
-                <a:latin typeface="Times New Roman" panose="02020603050405020304" pitchFamily="18" charset="0"/>
-                <a:cs typeface="Times New Roman" panose="02020603050405020304" pitchFamily="18" charset="0"/>
-              </a:rPr>
-              <a:t>Erdem</a:t>
-            </a:r>
-            <a:r>
-              <a:rPr lang="en-IN" sz="2400" dirty="0">
-                <a:latin typeface="Times New Roman" panose="02020603050405020304" pitchFamily="18" charset="0"/>
-                <a:cs typeface="Times New Roman" panose="02020603050405020304" pitchFamily="18" charset="0"/>
-              </a:rPr>
-              <a:t>, </a:t>
-            </a:r>
-            <a:r>
-              <a:rPr lang="en-IN" sz="2400" dirty="0">
-                <a:latin typeface="Times New Roman" panose="02020603050405020304" pitchFamily="18" charset="0"/>
-                <a:cs typeface="Times New Roman" panose="02020603050405020304" pitchFamily="18" charset="0"/>
-              </a:rPr>
-              <a:t>Erkut</a:t>
-            </a:r>
-            <a:r>
-              <a:rPr lang="en-IN" sz="2400" dirty="0">
-                <a:latin typeface="Times New Roman" panose="02020603050405020304" pitchFamily="18" charset="0"/>
-                <a:cs typeface="Times New Roman" panose="02020603050405020304" pitchFamily="18" charset="0"/>
-              </a:rPr>
-              <a:t> </a:t>
-            </a:r>
-            <a:r>
-              <a:rPr lang="en-IN" sz="2400" dirty="0">
-                <a:latin typeface="Times New Roman" panose="02020603050405020304" pitchFamily="18" charset="0"/>
-                <a:cs typeface="Times New Roman" panose="02020603050405020304" pitchFamily="18" charset="0"/>
-              </a:rPr>
-              <a:t>Erdem</a:t>
-            </a:r>
-            <a:r>
-              <a:rPr lang="en-IN" sz="2400" dirty="0">
-                <a:latin typeface="Times New Roman" panose="02020603050405020304" pitchFamily="18" charset="0"/>
-                <a:cs typeface="Times New Roman" panose="02020603050405020304" pitchFamily="18" charset="0"/>
-              </a:rPr>
-              <a:t>, </a:t>
-            </a:r>
-            <a:r>
-              <a:rPr lang="en-IN" sz="2400" dirty="0">
-                <a:latin typeface="Times New Roman" panose="02020603050405020304" pitchFamily="18" charset="0"/>
-                <a:cs typeface="Times New Roman" panose="02020603050405020304" pitchFamily="18" charset="0"/>
-              </a:rPr>
-              <a:t>Nazli</a:t>
-            </a:r>
-            <a:r>
-              <a:rPr lang="en-IN" sz="2400" dirty="0">
-                <a:latin typeface="Times New Roman" panose="02020603050405020304" pitchFamily="18" charset="0"/>
-                <a:cs typeface="Times New Roman" panose="02020603050405020304" pitchFamily="18" charset="0"/>
-              </a:rPr>
-              <a:t> </a:t>
-            </a:r>
-            <a:r>
-              <a:rPr lang="en-IN" sz="2400" dirty="0">
-                <a:latin typeface="Times New Roman" panose="02020603050405020304" pitchFamily="18" charset="0"/>
-                <a:cs typeface="Times New Roman" panose="02020603050405020304" pitchFamily="18" charset="0"/>
-              </a:rPr>
-              <a:t>Ikizler-Cinbis</a:t>
-            </a:r>
-            <a:r>
-              <a:rPr lang="en-IN" sz="2400" dirty="0">
-                <a:latin typeface="Times New Roman" panose="02020603050405020304" pitchFamily="18" charset="0"/>
-                <a:cs typeface="Times New Roman" panose="02020603050405020304" pitchFamily="18" charset="0"/>
-              </a:rPr>
-              <a:t>, Frank Keller, Adrian Muscat, Barbara Plank</a:t>
+              <a:t>Raffaella Bernardi, Ruket Cakici, Desmond Elliott, Aykut Erdem, Erkut Erdem, Nazli Ikizler-Cinbis, Frank Keller, Adrian Muscat, Barbara Plank</a:t>
             </a:r>
             <a:endParaRPr lang="en-IN" sz="2400" dirty="0" smtClean="0">
               <a:latin typeface="Times New Roman" panose="02020603050405020304" pitchFamily="18" charset="0"/>
@@ -6895,52 +7880,24 @@
                 <a:latin typeface="Times New Roman" panose="02020603050405020304" pitchFamily="18" charset="0"/>
                 <a:cs typeface="Times New Roman" panose="02020603050405020304" pitchFamily="18" charset="0"/>
               </a:rPr>
-              <a:t>Publication: </a:t>
-            </a:r>
+              <a:t>Publication: Cornell University</a:t>
+            </a:r>
+          </a:p>
+          <a:p>
             <a:r>
               <a:rPr lang="en-IN" sz="2400" dirty="0" smtClean="0">
                 <a:latin typeface="Times New Roman" panose="02020603050405020304" pitchFamily="18" charset="0"/>
                 <a:cs typeface="Times New Roman" panose="02020603050405020304" pitchFamily="18" charset="0"/>
               </a:rPr>
-              <a:t>Cornell University</a:t>
-            </a:r>
-            <a:endParaRPr lang="en-IN" sz="2400" dirty="0" smtClean="0">
-              <a:latin typeface="Times New Roman" panose="02020603050405020304" pitchFamily="18" charset="0"/>
-              <a:cs typeface="Times New Roman" panose="02020603050405020304" pitchFamily="18" charset="0"/>
-            </a:endParaRPr>
-          </a:p>
-          <a:p>
-            <a:r>
-              <a:rPr lang="en-IN" sz="2400" dirty="0" smtClean="0">
-                <a:latin typeface="Times New Roman" panose="02020603050405020304" pitchFamily="18" charset="0"/>
-                <a:cs typeface="Times New Roman" panose="02020603050405020304" pitchFamily="18" charset="0"/>
-              </a:rPr>
-              <a:t>Summary: </a:t>
-            </a:r>
-            <a:r>
-              <a:rPr lang="en-IN" sz="2400" dirty="0" smtClean="0">
-                <a:latin typeface="Times New Roman" panose="02020603050405020304" pitchFamily="18" charset="0"/>
-                <a:cs typeface="Times New Roman" panose="02020603050405020304" pitchFamily="18" charset="0"/>
-              </a:rPr>
-              <a:t>Automatic </a:t>
+              <a:t>Summary</a:t>
             </a:r>
             <a:r>
               <a:rPr lang="en-IN" sz="2400" dirty="0">
                 <a:latin typeface="Times New Roman" panose="02020603050405020304" pitchFamily="18" charset="0"/>
                 <a:cs typeface="Times New Roman" panose="02020603050405020304" pitchFamily="18" charset="0"/>
               </a:rPr>
-              <a:t>description generation from natural images is a challenging problem that has recently received a large amount of interest from the computer vision and natural language processing communities. In this survey, we classify the existing approaches based on how they conceptualize this problem, viz., models that cast description as either generation problem or as a retrieval problem over a visual or multimodal representational space. We provide a detailed review of existing models, highlighting their advantages and disadvantages. Moreover, we give an overview of the benchmark image datasets and the evaluation measures that have been developed to assess the quality of machine-generated image descriptions. Finally we extrapolate future directions in the area of automatic image description generation.</a:t>
-            </a:r>
-            <a:endParaRPr lang="en-IN" sz="2400" dirty="0" smtClean="0">
-              <a:latin typeface="Times New Roman" panose="02020603050405020304" pitchFamily="18" charset="0"/>
-              <a:cs typeface="Times New Roman" panose="02020603050405020304" pitchFamily="18" charset="0"/>
-            </a:endParaRPr>
-          </a:p>
-          <a:p>
-            <a:endParaRPr lang="en-IN" sz="2400" dirty="0">
-              <a:latin typeface="Times New Roman" panose="02020603050405020304" pitchFamily="18" charset="0"/>
-              <a:cs typeface="Times New Roman" panose="02020603050405020304" pitchFamily="18" charset="0"/>
-            </a:endParaRPr>
+              <a:t>: Here in this paper, the authors have described their project as a challenging problem as the model was not working properly with natural images that have recently received a large amount of interest from the computer vision and natural language processing communities. Also, they have classified the existing approaches based on how they conceptualized this problem. They provided a detailed review of existing models, highlighting their advantages and disadvantages.</a:t>
+            </a:r>
           </a:p>
         </p:txBody>
       </p:sp>
@@ -7436,21 +8393,28 @@
                 <a:latin typeface="Times New Roman" panose="02020603050405020304" pitchFamily="18" charset="0"/>
                 <a:cs typeface="Times New Roman" panose="02020603050405020304" pitchFamily="18" charset="0"/>
               </a:rPr>
-              <a:t>Summary</a:t>
+              <a:t>Summary: </a:t>
+            </a:r>
+            <a:r>
+              <a:rPr lang="en-IN" sz="2400" dirty="0">
+                <a:latin typeface="Times New Roman" panose="02020603050405020304" pitchFamily="18" charset="0"/>
+                <a:cs typeface="Times New Roman" panose="02020603050405020304" pitchFamily="18" charset="0"/>
+              </a:rPr>
+              <a:t>In </a:t>
             </a:r>
             <a:r>
               <a:rPr lang="en-IN" sz="2400" dirty="0" smtClean="0">
                 <a:latin typeface="Times New Roman" panose="02020603050405020304" pitchFamily="18" charset="0"/>
                 <a:cs typeface="Times New Roman" panose="02020603050405020304" pitchFamily="18" charset="0"/>
               </a:rPr>
-              <a:t>: </a:t>
+              <a:t>this paper, </a:t>
             </a:r>
             <a:r>
               <a:rPr lang="en-IN" sz="2400" dirty="0">
                 <a:latin typeface="Times New Roman" panose="02020603050405020304" pitchFamily="18" charset="0"/>
                 <a:cs typeface="Times New Roman" panose="02020603050405020304" pitchFamily="18" charset="0"/>
               </a:rPr>
-              <a:t>In neural image captioning systems, a recurrent neural network (RNN) is typically viewed as the primary `generation' component. This view suggests that the image features should be `injected' into the RNN. This is in fact the dominant view in the literature. Alternatively, the RNN can instead be viewed as only encoding the previously generated words. This view suggests that the RNN should only be used to encode linguistic features and that only the final representation should be `merged' with the image features at a later stage. This paper compares these two architectures. We find that, in general, late merging outperforms injection, suggesting that RNNs are better viewed as encoders, rather than generators.</a:t>
+              <a:t>a recurrent neural network (RNN) is typically viewed as the primary `generation' component. This view suggests that the image features should be `injected' into the RNN. This is in fact the dominant view in the literature. Alternatively, the RNN can instead be viewed as only encoding the previously generated words. This view suggests that the RNN should only be used to encode linguistic features and that only the final representation should be `merged' with the image features at a later stage. This paper compares these two architectures. We find that, in general, late merging outperforms injection, suggesting that RNNs are better viewed as encoders, rather than generators.</a:t>
             </a:r>
             <a:endParaRPr lang="en-IN" sz="2400" dirty="0" smtClean="0">
               <a:latin typeface="Times New Roman" panose="02020603050405020304" pitchFamily="18" charset="0"/>
